--- a/2.JVM JDK JRE/JDK JVM JRE.pptx
+++ b/2.JVM JDK JRE/JDK JVM JRE.pptx
@@ -266,7 +266,7 @@
           <a:p>
             <a:fld id="{B83E7483-D1AE-498A-ADA0-4EE2107F9C74}" type="datetimeFigureOut">
               <a:rPr lang="en-US" smtClean="0"/>
-              <a:t>1/21/2023</a:t>
+              <a:t>1/25/2023</a:t>
             </a:fld>
             <a:endParaRPr lang="en-US"/>
           </a:p>
@@ -464,7 +464,7 @@
           <a:p>
             <a:fld id="{B83E7483-D1AE-498A-ADA0-4EE2107F9C74}" type="datetimeFigureOut">
               <a:rPr lang="en-US" smtClean="0"/>
-              <a:t>1/21/2023</a:t>
+              <a:t>1/25/2023</a:t>
             </a:fld>
             <a:endParaRPr lang="en-US"/>
           </a:p>
@@ -672,7 +672,7 @@
           <a:p>
             <a:fld id="{B83E7483-D1AE-498A-ADA0-4EE2107F9C74}" type="datetimeFigureOut">
               <a:rPr lang="en-US" smtClean="0"/>
-              <a:t>1/21/2023</a:t>
+              <a:t>1/25/2023</a:t>
             </a:fld>
             <a:endParaRPr lang="en-US"/>
           </a:p>
@@ -870,7 +870,7 @@
           <a:p>
             <a:fld id="{B83E7483-D1AE-498A-ADA0-4EE2107F9C74}" type="datetimeFigureOut">
               <a:rPr lang="en-US" smtClean="0"/>
-              <a:t>1/21/2023</a:t>
+              <a:t>1/25/2023</a:t>
             </a:fld>
             <a:endParaRPr lang="en-US"/>
           </a:p>
@@ -1145,7 +1145,7 @@
           <a:p>
             <a:fld id="{B83E7483-D1AE-498A-ADA0-4EE2107F9C74}" type="datetimeFigureOut">
               <a:rPr lang="en-US" smtClean="0"/>
-              <a:t>1/21/2023</a:t>
+              <a:t>1/25/2023</a:t>
             </a:fld>
             <a:endParaRPr lang="en-US"/>
           </a:p>
@@ -1410,7 +1410,7 @@
           <a:p>
             <a:fld id="{B83E7483-D1AE-498A-ADA0-4EE2107F9C74}" type="datetimeFigureOut">
               <a:rPr lang="en-US" smtClean="0"/>
-              <a:t>1/21/2023</a:t>
+              <a:t>1/25/2023</a:t>
             </a:fld>
             <a:endParaRPr lang="en-US"/>
           </a:p>
@@ -1822,7 +1822,7 @@
           <a:p>
             <a:fld id="{B83E7483-D1AE-498A-ADA0-4EE2107F9C74}" type="datetimeFigureOut">
               <a:rPr lang="en-US" smtClean="0"/>
-              <a:t>1/21/2023</a:t>
+              <a:t>1/25/2023</a:t>
             </a:fld>
             <a:endParaRPr lang="en-US"/>
           </a:p>
@@ -1963,7 +1963,7 @@
           <a:p>
             <a:fld id="{B83E7483-D1AE-498A-ADA0-4EE2107F9C74}" type="datetimeFigureOut">
               <a:rPr lang="en-US" smtClean="0"/>
-              <a:t>1/21/2023</a:t>
+              <a:t>1/25/2023</a:t>
             </a:fld>
             <a:endParaRPr lang="en-US"/>
           </a:p>
@@ -2076,7 +2076,7 @@
           <a:p>
             <a:fld id="{B83E7483-D1AE-498A-ADA0-4EE2107F9C74}" type="datetimeFigureOut">
               <a:rPr lang="en-US" smtClean="0"/>
-              <a:t>1/21/2023</a:t>
+              <a:t>1/25/2023</a:t>
             </a:fld>
             <a:endParaRPr lang="en-US"/>
           </a:p>
@@ -2387,7 +2387,7 @@
           <a:p>
             <a:fld id="{B83E7483-D1AE-498A-ADA0-4EE2107F9C74}" type="datetimeFigureOut">
               <a:rPr lang="en-US" smtClean="0"/>
-              <a:t>1/21/2023</a:t>
+              <a:t>1/25/2023</a:t>
             </a:fld>
             <a:endParaRPr lang="en-US"/>
           </a:p>
@@ -2675,7 +2675,7 @@
           <a:p>
             <a:fld id="{B83E7483-D1AE-498A-ADA0-4EE2107F9C74}" type="datetimeFigureOut">
               <a:rPr lang="en-US" smtClean="0"/>
-              <a:t>1/21/2023</a:t>
+              <a:t>1/25/2023</a:t>
             </a:fld>
             <a:endParaRPr lang="en-US"/>
           </a:p>
@@ -2916,7 +2916,7 @@
           <a:p>
             <a:fld id="{B83E7483-D1AE-498A-ADA0-4EE2107F9C74}" type="datetimeFigureOut">
               <a:rPr lang="en-US" smtClean="0"/>
-              <a:t>1/21/2023</a:t>
+              <a:t>1/25/2023</a:t>
             </a:fld>
             <a:endParaRPr lang="en-US"/>
           </a:p>
@@ -3319,6 +3319,17 @@
 <file path=ppt/slides/slide1.xml><?xml version="1.0" encoding="utf-8"?>
 <p:sld xmlns:a="http://schemas.openxmlformats.org/drawingml/2006/main" xmlns:r="http://schemas.openxmlformats.org/officeDocument/2006/relationships" xmlns:p="http://schemas.openxmlformats.org/presentationml/2006/main">
   <p:cSld>
+    <p:bg>
+      <p:bgPr>
+        <a:solidFill>
+          <a:schemeClr val="bg1">
+            <a:tint val="95000"/>
+            <a:satMod val="170000"/>
+          </a:schemeClr>
+        </a:solidFill>
+        <a:effectLst/>
+      </p:bgPr>
+    </p:bg>
     <p:spTree>
       <p:nvGrpSpPr>
         <p:cNvPr id="1" name=""/>
@@ -3335,6 +3346,336 @@
       </p:grpSpPr>
       <p:sp>
         <p:nvSpPr>
+          <p:cNvPr id="7" name="Freeform: Shape 6">
+            <a:extLst>
+              <a:ext uri="{FF2B5EF4-FFF2-40B4-BE49-F238E27FC236}">
+                <a16:creationId xmlns:a16="http://schemas.microsoft.com/office/drawing/2014/main" id="{66B332A4-D438-4773-A77F-5ED49A448D9D}"/>
+              </a:ext>
+              <a:ext uri="{C183D7F6-B498-43B3-948B-1728B52AA6E4}">
+                <adec:decorative xmlns:adec="http://schemas.microsoft.com/office/drawing/2017/decorative" val="1"/>
+              </a:ext>
+            </a:extLst>
+          </p:cNvPr>
+          <p:cNvSpPr>
+            <a:spLocks noGrp="1" noRot="1" noChangeAspect="1" noMove="1" noResize="1" noEditPoints="1" noAdjustHandles="1" noChangeArrowheads="1" noChangeShapeType="1" noTextEdit="1"/>
+          </p:cNvSpPr>
+          <p:nvPr>
+            <p:extLst>
+              <p:ext uri="{386F3935-93C4-4BCD-93E2-E3B085C9AB24}">
+                <p16:designElem xmlns:p16="http://schemas.microsoft.com/office/powerpoint/2015/main" val="1"/>
+              </p:ext>
+            </p:extLst>
+          </p:nvPr>
+        </p:nvSpPr>
+        <p:spPr>
+          <a:xfrm>
+            <a:off x="1953768" y="0"/>
+            <a:ext cx="8284464" cy="6858000"/>
+          </a:xfrm>
+          <a:custGeom>
+            <a:avLst/>
+            <a:gdLst>
+              <a:gd name="connsiteX0" fmla="*/ 1818109 w 8284464"/>
+              <a:gd name="connsiteY0" fmla="*/ 0 h 6858000"/>
+              <a:gd name="connsiteX1" fmla="*/ 6466355 w 8284464"/>
+              <a:gd name="connsiteY1" fmla="*/ 0 h 6858000"/>
+              <a:gd name="connsiteX2" fmla="*/ 6620596 w 8284464"/>
+              <a:gd name="connsiteY2" fmla="*/ 109683 h 6858000"/>
+              <a:gd name="connsiteX3" fmla="*/ 8284464 w 8284464"/>
+              <a:gd name="connsiteY3" fmla="*/ 3429000 h 6858000"/>
+              <a:gd name="connsiteX4" fmla="*/ 6620596 w 8284464"/>
+              <a:gd name="connsiteY4" fmla="*/ 6748318 h 6858000"/>
+              <a:gd name="connsiteX5" fmla="*/ 6466355 w 8284464"/>
+              <a:gd name="connsiteY5" fmla="*/ 6858000 h 6858000"/>
+              <a:gd name="connsiteX6" fmla="*/ 1818109 w 8284464"/>
+              <a:gd name="connsiteY6" fmla="*/ 6858000 h 6858000"/>
+              <a:gd name="connsiteX7" fmla="*/ 1663869 w 8284464"/>
+              <a:gd name="connsiteY7" fmla="*/ 6748318 h 6858000"/>
+              <a:gd name="connsiteX8" fmla="*/ 0 w 8284464"/>
+              <a:gd name="connsiteY8" fmla="*/ 3429000 h 6858000"/>
+              <a:gd name="connsiteX9" fmla="*/ 1663869 w 8284464"/>
+              <a:gd name="connsiteY9" fmla="*/ 109683 h 6858000"/>
+            </a:gdLst>
+            <a:ahLst/>
+            <a:cxnLst>
+              <a:cxn ang="0">
+                <a:pos x="connsiteX0" y="connsiteY0"/>
+              </a:cxn>
+              <a:cxn ang="0">
+                <a:pos x="connsiteX1" y="connsiteY1"/>
+              </a:cxn>
+              <a:cxn ang="0">
+                <a:pos x="connsiteX2" y="connsiteY2"/>
+              </a:cxn>
+              <a:cxn ang="0">
+                <a:pos x="connsiteX3" y="connsiteY3"/>
+              </a:cxn>
+              <a:cxn ang="0">
+                <a:pos x="connsiteX4" y="connsiteY4"/>
+              </a:cxn>
+              <a:cxn ang="0">
+                <a:pos x="connsiteX5" y="connsiteY5"/>
+              </a:cxn>
+              <a:cxn ang="0">
+                <a:pos x="connsiteX6" y="connsiteY6"/>
+              </a:cxn>
+              <a:cxn ang="0">
+                <a:pos x="connsiteX7" y="connsiteY7"/>
+              </a:cxn>
+              <a:cxn ang="0">
+                <a:pos x="connsiteX8" y="connsiteY8"/>
+              </a:cxn>
+              <a:cxn ang="0">
+                <a:pos x="connsiteX9" y="connsiteY9"/>
+              </a:cxn>
+            </a:cxnLst>
+            <a:rect l="l" t="t" r="r" b="b"/>
+            <a:pathLst>
+              <a:path w="8284464" h="6858000">
+                <a:moveTo>
+                  <a:pt x="1818109" y="0"/>
+                </a:moveTo>
+                <a:lnTo>
+                  <a:pt x="6466355" y="0"/>
+                </a:lnTo>
+                <a:lnTo>
+                  <a:pt x="6620596" y="109683"/>
+                </a:lnTo>
+                <a:cubicBezTo>
+                  <a:pt x="7630666" y="865069"/>
+                  <a:pt x="8284464" y="2070683"/>
+                  <a:pt x="8284464" y="3429000"/>
+                </a:cubicBezTo>
+                <a:cubicBezTo>
+                  <a:pt x="8284464" y="4787317"/>
+                  <a:pt x="7630666" y="5992931"/>
+                  <a:pt x="6620596" y="6748318"/>
+                </a:cubicBezTo>
+                <a:lnTo>
+                  <a:pt x="6466355" y="6858000"/>
+                </a:lnTo>
+                <a:lnTo>
+                  <a:pt x="1818109" y="6858000"/>
+                </a:lnTo>
+                <a:lnTo>
+                  <a:pt x="1663869" y="6748318"/>
+                </a:lnTo>
+                <a:cubicBezTo>
+                  <a:pt x="653798" y="5992931"/>
+                  <a:pt x="0" y="4787317"/>
+                  <a:pt x="0" y="3429000"/>
+                </a:cubicBezTo>
+                <a:cubicBezTo>
+                  <a:pt x="0" y="2070683"/>
+                  <a:pt x="653798" y="865069"/>
+                  <a:pt x="1663869" y="109683"/>
+                </a:cubicBezTo>
+                <a:close/>
+              </a:path>
+            </a:pathLst>
+          </a:custGeom>
+          <a:solidFill>
+            <a:srgbClr val="FFFFFF">
+              <a:alpha val="80000"/>
+            </a:srgbClr>
+          </a:solidFill>
+          <a:ln>
+            <a:noFill/>
+          </a:ln>
+        </p:spPr>
+        <p:style>
+          <a:lnRef idx="2">
+            <a:schemeClr val="accent1">
+              <a:shade val="50000"/>
+            </a:schemeClr>
+          </a:lnRef>
+          <a:fillRef idx="1">
+            <a:schemeClr val="accent1"/>
+          </a:fillRef>
+          <a:effectRef idx="0">
+            <a:schemeClr val="accent1"/>
+          </a:effectRef>
+          <a:fontRef idx="minor">
+            <a:schemeClr val="lt1"/>
+          </a:fontRef>
+        </p:style>
+        <p:txBody>
+          <a:bodyPr wrap="square" rtlCol="0" anchor="ctr">
+            <a:noAutofit/>
+          </a:bodyPr>
+          <a:lstStyle/>
+          <a:p>
+            <a:pPr algn="ctr"/>
+            <a:endParaRPr lang="en-US"/>
+          </a:p>
+        </p:txBody>
+      </p:sp>
+      <p:sp>
+        <p:nvSpPr>
+          <p:cNvPr id="9" name="Freeform: Shape 8">
+            <a:extLst>
+              <a:ext uri="{FF2B5EF4-FFF2-40B4-BE49-F238E27FC236}">
+                <a16:creationId xmlns:a16="http://schemas.microsoft.com/office/drawing/2014/main" id="{DF9AD32D-FF05-44F4-BD4D-9CEE89B71EB9}"/>
+              </a:ext>
+              <a:ext uri="{C183D7F6-B498-43B3-948B-1728B52AA6E4}">
+                <adec:decorative xmlns:adec="http://schemas.microsoft.com/office/drawing/2017/decorative" val="1"/>
+              </a:ext>
+            </a:extLst>
+          </p:cNvPr>
+          <p:cNvSpPr>
+            <a:spLocks noGrp="1" noRot="1" noChangeAspect="1" noMove="1" noResize="1" noEditPoints="1" noAdjustHandles="1" noChangeArrowheads="1" noChangeShapeType="1" noTextEdit="1"/>
+          </p:cNvSpPr>
+          <p:nvPr>
+            <p:extLst>
+              <p:ext uri="{386F3935-93C4-4BCD-93E2-E3B085C9AB24}">
+                <p16:designElem xmlns:p16="http://schemas.microsoft.com/office/powerpoint/2015/main" val="1"/>
+              </p:ext>
+            </p:extLst>
+          </p:nvPr>
+        </p:nvSpPr>
+        <p:spPr>
+          <a:xfrm>
+            <a:off x="2118360" y="0"/>
+            <a:ext cx="7955280" cy="6858000"/>
+          </a:xfrm>
+          <a:custGeom>
+            <a:avLst/>
+            <a:gdLst>
+              <a:gd name="connsiteX0" fmla="*/ 1962423 w 7955280"/>
+              <a:gd name="connsiteY0" fmla="*/ 0 h 6858000"/>
+              <a:gd name="connsiteX1" fmla="*/ 5992858 w 7955280"/>
+              <a:gd name="connsiteY1" fmla="*/ 0 h 6858000"/>
+              <a:gd name="connsiteX2" fmla="*/ 6040191 w 7955280"/>
+              <a:gd name="connsiteY2" fmla="*/ 27216 h 6858000"/>
+              <a:gd name="connsiteX3" fmla="*/ 7955280 w 7955280"/>
+              <a:gd name="connsiteY3" fmla="*/ 3429000 h 6858000"/>
+              <a:gd name="connsiteX4" fmla="*/ 6040191 w 7955280"/>
+              <a:gd name="connsiteY4" fmla="*/ 6830784 h 6858000"/>
+              <a:gd name="connsiteX5" fmla="*/ 5992858 w 7955280"/>
+              <a:gd name="connsiteY5" fmla="*/ 6858000 h 6858000"/>
+              <a:gd name="connsiteX6" fmla="*/ 1962423 w 7955280"/>
+              <a:gd name="connsiteY6" fmla="*/ 6858000 h 6858000"/>
+              <a:gd name="connsiteX7" fmla="*/ 1915089 w 7955280"/>
+              <a:gd name="connsiteY7" fmla="*/ 6830784 h 6858000"/>
+              <a:gd name="connsiteX8" fmla="*/ 0 w 7955280"/>
+              <a:gd name="connsiteY8" fmla="*/ 3429000 h 6858000"/>
+              <a:gd name="connsiteX9" fmla="*/ 1915089 w 7955280"/>
+              <a:gd name="connsiteY9" fmla="*/ 27216 h 6858000"/>
+            </a:gdLst>
+            <a:ahLst/>
+            <a:cxnLst>
+              <a:cxn ang="0">
+                <a:pos x="connsiteX0" y="connsiteY0"/>
+              </a:cxn>
+              <a:cxn ang="0">
+                <a:pos x="connsiteX1" y="connsiteY1"/>
+              </a:cxn>
+              <a:cxn ang="0">
+                <a:pos x="connsiteX2" y="connsiteY2"/>
+              </a:cxn>
+              <a:cxn ang="0">
+                <a:pos x="connsiteX3" y="connsiteY3"/>
+              </a:cxn>
+              <a:cxn ang="0">
+                <a:pos x="connsiteX4" y="connsiteY4"/>
+              </a:cxn>
+              <a:cxn ang="0">
+                <a:pos x="connsiteX5" y="connsiteY5"/>
+              </a:cxn>
+              <a:cxn ang="0">
+                <a:pos x="connsiteX6" y="connsiteY6"/>
+              </a:cxn>
+              <a:cxn ang="0">
+                <a:pos x="connsiteX7" y="connsiteY7"/>
+              </a:cxn>
+              <a:cxn ang="0">
+                <a:pos x="connsiteX8" y="connsiteY8"/>
+              </a:cxn>
+              <a:cxn ang="0">
+                <a:pos x="connsiteX9" y="connsiteY9"/>
+              </a:cxn>
+            </a:cxnLst>
+            <a:rect l="l" t="t" r="r" b="b"/>
+            <a:pathLst>
+              <a:path w="7955280" h="6858000">
+                <a:moveTo>
+                  <a:pt x="1962423" y="0"/>
+                </a:moveTo>
+                <a:lnTo>
+                  <a:pt x="5992858" y="0"/>
+                </a:lnTo>
+                <a:lnTo>
+                  <a:pt x="6040191" y="27216"/>
+                </a:lnTo>
+                <a:cubicBezTo>
+                  <a:pt x="7188332" y="724844"/>
+                  <a:pt x="7955280" y="1987357"/>
+                  <a:pt x="7955280" y="3429000"/>
+                </a:cubicBezTo>
+                <a:cubicBezTo>
+                  <a:pt x="7955280" y="4870644"/>
+                  <a:pt x="7188332" y="6133157"/>
+                  <a:pt x="6040191" y="6830784"/>
+                </a:cubicBezTo>
+                <a:lnTo>
+                  <a:pt x="5992858" y="6858000"/>
+                </a:lnTo>
+                <a:lnTo>
+                  <a:pt x="1962423" y="6858000"/>
+                </a:lnTo>
+                <a:lnTo>
+                  <a:pt x="1915089" y="6830784"/>
+                </a:lnTo>
+                <a:cubicBezTo>
+                  <a:pt x="766948" y="6133157"/>
+                  <a:pt x="0" y="4870644"/>
+                  <a:pt x="0" y="3429000"/>
+                </a:cubicBezTo>
+                <a:cubicBezTo>
+                  <a:pt x="0" y="1987357"/>
+                  <a:pt x="766948" y="724844"/>
+                  <a:pt x="1915089" y="27216"/>
+                </a:cubicBezTo>
+                <a:close/>
+              </a:path>
+            </a:pathLst>
+          </a:custGeom>
+          <a:solidFill>
+            <a:schemeClr val="tx1"/>
+          </a:solidFill>
+          <a:ln>
+            <a:noFill/>
+          </a:ln>
+        </p:spPr>
+        <p:style>
+          <a:lnRef idx="2">
+            <a:schemeClr val="accent1">
+              <a:shade val="50000"/>
+            </a:schemeClr>
+          </a:lnRef>
+          <a:fillRef idx="1">
+            <a:schemeClr val="accent1"/>
+          </a:fillRef>
+          <a:effectRef idx="0">
+            <a:schemeClr val="accent1"/>
+          </a:effectRef>
+          <a:fontRef idx="minor">
+            <a:schemeClr val="lt1"/>
+          </a:fontRef>
+        </p:style>
+        <p:txBody>
+          <a:bodyPr wrap="square" rtlCol="0" anchor="ctr">
+            <a:noAutofit/>
+          </a:bodyPr>
+          <a:lstStyle/>
+          <a:p>
+            <a:pPr algn="ctr"/>
+            <a:endParaRPr lang="en-US"/>
+          </a:p>
+        </p:txBody>
+      </p:sp>
+      <p:sp>
+        <p:nvSpPr>
           <p:cNvPr id="2" name="Title 1">
             <a:extLst>
               <a:ext uri="{FF2B5EF4-FFF2-40B4-BE49-F238E27FC236}">
@@ -3349,13 +3690,27 @@
             <p:ph type="ctrTitle"/>
           </p:nvPr>
         </p:nvSpPr>
-        <p:spPr/>
-        <p:txBody>
-          <a:bodyPr/>
-          <a:lstStyle/>
-          <a:p>
-            <a:r>
-              <a:rPr lang="en-US" dirty="0"/>
+        <p:spPr>
+          <a:xfrm>
+            <a:off x="2555631" y="1441938"/>
+            <a:ext cx="7080738" cy="3974124"/>
+          </a:xfrm>
+        </p:spPr>
+        <p:txBody>
+          <a:bodyPr vert="horz" lIns="91440" tIns="45720" rIns="91440" bIns="45720" rtlCol="0" anchor="ctr">
+            <a:normAutofit/>
+          </a:bodyPr>
+          <a:lstStyle/>
+          <a:p>
+            <a:r>
+              <a:rPr lang="en-US" sz="5400" dirty="0">
+                <a:solidFill>
+                  <a:schemeClr val="bg1">
+                    <a:lumMod val="95000"/>
+                    <a:lumOff val="5000"/>
+                  </a:schemeClr>
+                </a:solidFill>
+              </a:rPr>
               <a:t>Java Installed Structure</a:t>
             </a:r>
           </a:p>
@@ -3369,7 +3724,7 @@
     </p:extLst>
   </p:cSld>
   <p:clrMapOvr>
-    <a:masterClrMapping/>
+    <a:overrideClrMapping bg1="dk1" tx1="lt1" bg2="dk2" tx2="lt2" accent1="accent1" accent2="accent2" accent3="accent3" accent4="accent4" accent5="accent5" accent6="accent6" hlink="hlink" folHlink="folHlink"/>
   </p:clrMapOvr>
 </p:sld>
 </file>
@@ -3687,6 +4042,232 @@
   <p:clrMapOvr>
     <a:masterClrMapping/>
   </p:clrMapOvr>
+  <p:timing>
+    <p:tnLst>
+      <p:par>
+        <p:cTn id="1" dur="indefinite" restart="never" nodeType="tmRoot">
+          <p:childTnLst>
+            <p:seq concurrent="1" nextAc="seek">
+              <p:cTn id="2" dur="indefinite" nodeType="mainSeq">
+                <p:childTnLst>
+                  <p:par>
+                    <p:cTn id="3" fill="hold">
+                      <p:stCondLst>
+                        <p:cond delay="indefinite"/>
+                      </p:stCondLst>
+                      <p:childTnLst>
+                        <p:par>
+                          <p:cTn id="4" fill="hold">
+                            <p:stCondLst>
+                              <p:cond delay="0"/>
+                            </p:stCondLst>
+                            <p:childTnLst>
+                              <p:par>
+                                <p:cTn id="5" presetID="1" presetClass="entr" presetSubtype="0" fill="hold" nodeType="clickEffect">
+                                  <p:stCondLst>
+                                    <p:cond delay="0"/>
+                                  </p:stCondLst>
+                                  <p:childTnLst>
+                                    <p:set>
+                                      <p:cBhvr>
+                                        <p:cTn id="6" dur="1" fill="hold">
+                                          <p:stCondLst>
+                                            <p:cond delay="0"/>
+                                          </p:stCondLst>
+                                        </p:cTn>
+                                        <p:tgtEl>
+                                          <p:spTgt spid="3">
+                                            <p:txEl>
+                                              <p:pRg st="0" end="0"/>
+                                            </p:txEl>
+                                          </p:spTgt>
+                                        </p:tgtEl>
+                                        <p:attrNameLst>
+                                          <p:attrName>style.visibility</p:attrName>
+                                        </p:attrNameLst>
+                                      </p:cBhvr>
+                                      <p:to>
+                                        <p:strVal val="visible"/>
+                                      </p:to>
+                                    </p:set>
+                                  </p:childTnLst>
+                                </p:cTn>
+                              </p:par>
+                            </p:childTnLst>
+                          </p:cTn>
+                        </p:par>
+                      </p:childTnLst>
+                    </p:cTn>
+                  </p:par>
+                  <p:par>
+                    <p:cTn id="7" fill="hold">
+                      <p:stCondLst>
+                        <p:cond delay="indefinite"/>
+                      </p:stCondLst>
+                      <p:childTnLst>
+                        <p:par>
+                          <p:cTn id="8" fill="hold">
+                            <p:stCondLst>
+                              <p:cond delay="0"/>
+                            </p:stCondLst>
+                            <p:childTnLst>
+                              <p:par>
+                                <p:cTn id="9" presetID="1" presetClass="entr" presetSubtype="0" fill="hold" nodeType="clickEffect">
+                                  <p:stCondLst>
+                                    <p:cond delay="0"/>
+                                  </p:stCondLst>
+                                  <p:childTnLst>
+                                    <p:set>
+                                      <p:cBhvr>
+                                        <p:cTn id="10" dur="1" fill="hold">
+                                          <p:stCondLst>
+                                            <p:cond delay="0"/>
+                                          </p:stCondLst>
+                                        </p:cTn>
+                                        <p:tgtEl>
+                                          <p:spTgt spid="3">
+                                            <p:txEl>
+                                              <p:pRg st="1" end="1"/>
+                                            </p:txEl>
+                                          </p:spTgt>
+                                        </p:tgtEl>
+                                        <p:attrNameLst>
+                                          <p:attrName>style.visibility</p:attrName>
+                                        </p:attrNameLst>
+                                      </p:cBhvr>
+                                      <p:to>
+                                        <p:strVal val="visible"/>
+                                      </p:to>
+                                    </p:set>
+                                  </p:childTnLst>
+                                </p:cTn>
+                              </p:par>
+                            </p:childTnLst>
+                          </p:cTn>
+                        </p:par>
+                      </p:childTnLst>
+                    </p:cTn>
+                  </p:par>
+                  <p:par>
+                    <p:cTn id="11" fill="hold">
+                      <p:stCondLst>
+                        <p:cond delay="indefinite"/>
+                      </p:stCondLst>
+                      <p:childTnLst>
+                        <p:par>
+                          <p:cTn id="12" fill="hold">
+                            <p:stCondLst>
+                              <p:cond delay="0"/>
+                            </p:stCondLst>
+                            <p:childTnLst>
+                              <p:par>
+                                <p:cTn id="13" presetID="1" presetClass="entr" presetSubtype="0" fill="hold" nodeType="clickEffect">
+                                  <p:stCondLst>
+                                    <p:cond delay="0"/>
+                                  </p:stCondLst>
+                                  <p:childTnLst>
+                                    <p:set>
+                                      <p:cBhvr>
+                                        <p:cTn id="14" dur="1" fill="hold">
+                                          <p:stCondLst>
+                                            <p:cond delay="0"/>
+                                          </p:stCondLst>
+                                        </p:cTn>
+                                        <p:tgtEl>
+                                          <p:spTgt spid="3">
+                                            <p:txEl>
+                                              <p:pRg st="3" end="3"/>
+                                            </p:txEl>
+                                          </p:spTgt>
+                                        </p:tgtEl>
+                                        <p:attrNameLst>
+                                          <p:attrName>style.visibility</p:attrName>
+                                        </p:attrNameLst>
+                                      </p:cBhvr>
+                                      <p:to>
+                                        <p:strVal val="visible"/>
+                                      </p:to>
+                                    </p:set>
+                                  </p:childTnLst>
+                                </p:cTn>
+                              </p:par>
+                            </p:childTnLst>
+                          </p:cTn>
+                        </p:par>
+                      </p:childTnLst>
+                    </p:cTn>
+                  </p:par>
+                  <p:par>
+                    <p:cTn id="15" fill="hold">
+                      <p:stCondLst>
+                        <p:cond delay="indefinite"/>
+                      </p:stCondLst>
+                      <p:childTnLst>
+                        <p:par>
+                          <p:cTn id="16" fill="hold">
+                            <p:stCondLst>
+                              <p:cond delay="0"/>
+                            </p:stCondLst>
+                            <p:childTnLst>
+                              <p:par>
+                                <p:cTn id="17" presetID="1" presetClass="entr" presetSubtype="0" fill="hold" nodeType="clickEffect">
+                                  <p:stCondLst>
+                                    <p:cond delay="0"/>
+                                  </p:stCondLst>
+                                  <p:childTnLst>
+                                    <p:set>
+                                      <p:cBhvr>
+                                        <p:cTn id="18" dur="1" fill="hold">
+                                          <p:stCondLst>
+                                            <p:cond delay="0"/>
+                                          </p:stCondLst>
+                                        </p:cTn>
+                                        <p:tgtEl>
+                                          <p:spTgt spid="3">
+                                            <p:txEl>
+                                              <p:pRg st="4" end="4"/>
+                                            </p:txEl>
+                                          </p:spTgt>
+                                        </p:tgtEl>
+                                        <p:attrNameLst>
+                                          <p:attrName>style.visibility</p:attrName>
+                                        </p:attrNameLst>
+                                      </p:cBhvr>
+                                      <p:to>
+                                        <p:strVal val="visible"/>
+                                      </p:to>
+                                    </p:set>
+                                  </p:childTnLst>
+                                </p:cTn>
+                              </p:par>
+                            </p:childTnLst>
+                          </p:cTn>
+                        </p:par>
+                      </p:childTnLst>
+                    </p:cTn>
+                  </p:par>
+                </p:childTnLst>
+              </p:cTn>
+              <p:prevCondLst>
+                <p:cond evt="onPrev" delay="0">
+                  <p:tgtEl>
+                    <p:sldTgt/>
+                  </p:tgtEl>
+                </p:cond>
+              </p:prevCondLst>
+              <p:nextCondLst>
+                <p:cond evt="onNext" delay="0">
+                  <p:tgtEl>
+                    <p:sldTgt/>
+                  </p:tgtEl>
+                </p:cond>
+              </p:nextCondLst>
+            </p:seq>
+          </p:childTnLst>
+        </p:cTn>
+      </p:par>
+    </p:tnLst>
+  </p:timing>
 </p:sld>
 </file>
 
@@ -3820,6 +4401,182 @@
   <p:clrMapOvr>
     <a:masterClrMapping/>
   </p:clrMapOvr>
+  <p:timing>
+    <p:tnLst>
+      <p:par>
+        <p:cTn id="1" dur="indefinite" restart="never" nodeType="tmRoot">
+          <p:childTnLst>
+            <p:seq concurrent="1" nextAc="seek">
+              <p:cTn id="2" dur="indefinite" nodeType="mainSeq">
+                <p:childTnLst>
+                  <p:par>
+                    <p:cTn id="3" fill="hold">
+                      <p:stCondLst>
+                        <p:cond delay="indefinite"/>
+                      </p:stCondLst>
+                      <p:childTnLst>
+                        <p:par>
+                          <p:cTn id="4" fill="hold">
+                            <p:stCondLst>
+                              <p:cond delay="0"/>
+                            </p:stCondLst>
+                            <p:childTnLst>
+                              <p:par>
+                                <p:cTn id="5" presetID="1" presetClass="entr" presetSubtype="0" fill="hold" grpId="0" nodeType="clickEffect">
+                                  <p:stCondLst>
+                                    <p:cond delay="0"/>
+                                  </p:stCondLst>
+                                  <p:childTnLst>
+                                    <p:set>
+                                      <p:cBhvr>
+                                        <p:cTn id="6" dur="1" fill="hold">
+                                          <p:stCondLst>
+                                            <p:cond delay="0"/>
+                                          </p:stCondLst>
+                                        </p:cTn>
+                                        <p:tgtEl>
+                                          <p:spTgt spid="2"/>
+                                        </p:tgtEl>
+                                        <p:attrNameLst>
+                                          <p:attrName>style.visibility</p:attrName>
+                                        </p:attrNameLst>
+                                      </p:cBhvr>
+                                      <p:to>
+                                        <p:strVal val="visible"/>
+                                      </p:to>
+                                    </p:set>
+                                  </p:childTnLst>
+                                </p:cTn>
+                              </p:par>
+                            </p:childTnLst>
+                          </p:cTn>
+                        </p:par>
+                      </p:childTnLst>
+                    </p:cTn>
+                  </p:par>
+                  <p:par>
+                    <p:cTn id="7" fill="hold">
+                      <p:stCondLst>
+                        <p:cond delay="indefinite"/>
+                      </p:stCondLst>
+                      <p:childTnLst>
+                        <p:par>
+                          <p:cTn id="8" fill="hold">
+                            <p:stCondLst>
+                              <p:cond delay="0"/>
+                            </p:stCondLst>
+                            <p:childTnLst>
+                              <p:par>
+                                <p:cTn id="9" presetID="1" presetClass="entr" presetSubtype="0" fill="hold" nodeType="clickEffect">
+                                  <p:stCondLst>
+                                    <p:cond delay="0"/>
+                                  </p:stCondLst>
+                                  <p:childTnLst>
+                                    <p:set>
+                                      <p:cBhvr>
+                                        <p:cTn id="10" dur="1" fill="hold">
+                                          <p:stCondLst>
+                                            <p:cond delay="0"/>
+                                          </p:stCondLst>
+                                        </p:cTn>
+                                        <p:tgtEl>
+                                          <p:spTgt spid="3">
+                                            <p:txEl>
+                                              <p:pRg st="0" end="0"/>
+                                            </p:txEl>
+                                          </p:spTgt>
+                                        </p:tgtEl>
+                                        <p:attrNameLst>
+                                          <p:attrName>style.visibility</p:attrName>
+                                        </p:attrNameLst>
+                                      </p:cBhvr>
+                                      <p:to>
+                                        <p:strVal val="visible"/>
+                                      </p:to>
+                                    </p:set>
+                                  </p:childTnLst>
+                                </p:cTn>
+                              </p:par>
+                            </p:childTnLst>
+                          </p:cTn>
+                        </p:par>
+                      </p:childTnLst>
+                    </p:cTn>
+                  </p:par>
+                  <p:par>
+                    <p:cTn id="11" fill="hold">
+                      <p:stCondLst>
+                        <p:cond delay="indefinite"/>
+                      </p:stCondLst>
+                      <p:childTnLst>
+                        <p:par>
+                          <p:cTn id="12" fill="hold">
+                            <p:stCondLst>
+                              <p:cond delay="0"/>
+                            </p:stCondLst>
+                            <p:childTnLst>
+                              <p:par>
+                                <p:cTn id="13" presetID="1" presetClass="entr" presetSubtype="0" fill="hold" nodeType="clickEffect">
+                                  <p:stCondLst>
+                                    <p:cond delay="0"/>
+                                  </p:stCondLst>
+                                  <p:childTnLst>
+                                    <p:set>
+                                      <p:cBhvr>
+                                        <p:cTn id="14" dur="1" fill="hold">
+                                          <p:stCondLst>
+                                            <p:cond delay="0"/>
+                                          </p:stCondLst>
+                                        </p:cTn>
+                                        <p:tgtEl>
+                                          <p:spTgt spid="3">
+                                            <p:txEl>
+                                              <p:pRg st="2" end="2"/>
+                                            </p:txEl>
+                                          </p:spTgt>
+                                        </p:tgtEl>
+                                        <p:attrNameLst>
+                                          <p:attrName>style.visibility</p:attrName>
+                                        </p:attrNameLst>
+                                      </p:cBhvr>
+                                      <p:to>
+                                        <p:strVal val="visible"/>
+                                      </p:to>
+                                    </p:set>
+                                  </p:childTnLst>
+                                </p:cTn>
+                              </p:par>
+                            </p:childTnLst>
+                          </p:cTn>
+                        </p:par>
+                      </p:childTnLst>
+                    </p:cTn>
+                  </p:par>
+                </p:childTnLst>
+              </p:cTn>
+              <p:prevCondLst>
+                <p:cond evt="onPrev" delay="0">
+                  <p:tgtEl>
+                    <p:sldTgt/>
+                  </p:tgtEl>
+                </p:cond>
+              </p:prevCondLst>
+              <p:nextCondLst>
+                <p:cond evt="onNext" delay="0">
+                  <p:tgtEl>
+                    <p:sldTgt/>
+                  </p:tgtEl>
+                </p:cond>
+              </p:nextCondLst>
+            </p:seq>
+          </p:childTnLst>
+        </p:cTn>
+      </p:par>
+    </p:tnLst>
+    <p:bldLst>
+      <p:bldP spid="2" grpId="0"/>
+    </p:bldLst>
+  </p:timing>
 </p:sld>
 </file>
 
@@ -3966,6 +4723,195 @@
   <p:clrMapOvr>
     <a:masterClrMapping/>
   </p:clrMapOvr>
+  <p:timing>
+    <p:tnLst>
+      <p:par>
+        <p:cTn id="1" dur="indefinite" restart="never" nodeType="tmRoot">
+          <p:childTnLst>
+            <p:seq concurrent="1" nextAc="seek">
+              <p:cTn id="2" dur="indefinite" nodeType="mainSeq">
+                <p:childTnLst>
+                  <p:par>
+                    <p:cTn id="3" fill="hold">
+                      <p:stCondLst>
+                        <p:cond delay="indefinite"/>
+                      </p:stCondLst>
+                      <p:childTnLst>
+                        <p:par>
+                          <p:cTn id="4" fill="hold">
+                            <p:stCondLst>
+                              <p:cond delay="0"/>
+                            </p:stCondLst>
+                            <p:childTnLst>
+                              <p:par>
+                                <p:cTn id="5" presetID="1" presetClass="entr" presetSubtype="0" fill="hold" grpId="0" nodeType="clickEffect">
+                                  <p:stCondLst>
+                                    <p:cond delay="0"/>
+                                  </p:stCondLst>
+                                  <p:childTnLst>
+                                    <p:set>
+                                      <p:cBhvr>
+                                        <p:cTn id="6" dur="1" fill="hold">
+                                          <p:stCondLst>
+                                            <p:cond delay="0"/>
+                                          </p:stCondLst>
+                                        </p:cTn>
+                                        <p:tgtEl>
+                                          <p:spTgt spid="2"/>
+                                        </p:tgtEl>
+                                        <p:attrNameLst>
+                                          <p:attrName>style.visibility</p:attrName>
+                                        </p:attrNameLst>
+                                      </p:cBhvr>
+                                      <p:to>
+                                        <p:strVal val="visible"/>
+                                      </p:to>
+                                    </p:set>
+                                  </p:childTnLst>
+                                </p:cTn>
+                              </p:par>
+                            </p:childTnLst>
+                          </p:cTn>
+                        </p:par>
+                      </p:childTnLst>
+                    </p:cTn>
+                  </p:par>
+                  <p:par>
+                    <p:cTn id="7" fill="hold">
+                      <p:stCondLst>
+                        <p:cond delay="indefinite"/>
+                      </p:stCondLst>
+                      <p:childTnLst>
+                        <p:par>
+                          <p:cTn id="8" fill="hold">
+                            <p:stCondLst>
+                              <p:cond delay="0"/>
+                            </p:stCondLst>
+                            <p:childTnLst>
+                              <p:par>
+                                <p:cTn id="9" presetID="1" presetClass="entr" presetSubtype="0" fill="hold" nodeType="clickEffect">
+                                  <p:stCondLst>
+                                    <p:cond delay="0"/>
+                                  </p:stCondLst>
+                                  <p:childTnLst>
+                                    <p:set>
+                                      <p:cBhvr>
+                                        <p:cTn id="10" dur="1" fill="hold">
+                                          <p:stCondLst>
+                                            <p:cond delay="0"/>
+                                          </p:stCondLst>
+                                        </p:cTn>
+                                        <p:tgtEl>
+                                          <p:spTgt spid="3">
+                                            <p:txEl>
+                                              <p:pRg st="0" end="0"/>
+                                            </p:txEl>
+                                          </p:spTgt>
+                                        </p:tgtEl>
+                                        <p:attrNameLst>
+                                          <p:attrName>style.visibility</p:attrName>
+                                        </p:attrNameLst>
+                                      </p:cBhvr>
+                                      <p:to>
+                                        <p:strVal val="visible"/>
+                                      </p:to>
+                                    </p:set>
+                                  </p:childTnLst>
+                                </p:cTn>
+                              </p:par>
+                              <p:par>
+                                <p:cTn id="11" presetID="1" presetClass="entr" presetSubtype="0" fill="hold" nodeType="withEffect">
+                                  <p:stCondLst>
+                                    <p:cond delay="0"/>
+                                  </p:stCondLst>
+                                  <p:childTnLst>
+                                    <p:set>
+                                      <p:cBhvr>
+                                        <p:cTn id="12" dur="1" fill="hold">
+                                          <p:stCondLst>
+                                            <p:cond delay="0"/>
+                                          </p:stCondLst>
+                                        </p:cTn>
+                                        <p:tgtEl>
+                                          <p:spTgt spid="3">
+                                            <p:txEl>
+                                              <p:pRg st="1" end="1"/>
+                                            </p:txEl>
+                                          </p:spTgt>
+                                        </p:tgtEl>
+                                        <p:attrNameLst>
+                                          <p:attrName>style.visibility</p:attrName>
+                                        </p:attrNameLst>
+                                      </p:cBhvr>
+                                      <p:to>
+                                        <p:strVal val="visible"/>
+                                      </p:to>
+                                    </p:set>
+                                  </p:childTnLst>
+                                </p:cTn>
+                              </p:par>
+                              <p:par>
+                                <p:cTn id="13" presetID="1" presetClass="entr" presetSubtype="0" fill="hold" nodeType="withEffect">
+                                  <p:stCondLst>
+                                    <p:cond delay="0"/>
+                                  </p:stCondLst>
+                                  <p:childTnLst>
+                                    <p:set>
+                                      <p:cBhvr>
+                                        <p:cTn id="14" dur="1" fill="hold">
+                                          <p:stCondLst>
+                                            <p:cond delay="0"/>
+                                          </p:stCondLst>
+                                        </p:cTn>
+                                        <p:tgtEl>
+                                          <p:spTgt spid="3">
+                                            <p:txEl>
+                                              <p:pRg st="3" end="3"/>
+                                            </p:txEl>
+                                          </p:spTgt>
+                                        </p:tgtEl>
+                                        <p:attrNameLst>
+                                          <p:attrName>style.visibility</p:attrName>
+                                        </p:attrNameLst>
+                                      </p:cBhvr>
+                                      <p:to>
+                                        <p:strVal val="visible"/>
+                                      </p:to>
+                                    </p:set>
+                                  </p:childTnLst>
+                                </p:cTn>
+                              </p:par>
+                            </p:childTnLst>
+                          </p:cTn>
+                        </p:par>
+                      </p:childTnLst>
+                    </p:cTn>
+                  </p:par>
+                </p:childTnLst>
+              </p:cTn>
+              <p:prevCondLst>
+                <p:cond evt="onPrev" delay="0">
+                  <p:tgtEl>
+                    <p:sldTgt/>
+                  </p:tgtEl>
+                </p:cond>
+              </p:prevCondLst>
+              <p:nextCondLst>
+                <p:cond evt="onNext" delay="0">
+                  <p:tgtEl>
+                    <p:sldTgt/>
+                  </p:tgtEl>
+                </p:cond>
+              </p:nextCondLst>
+            </p:seq>
+          </p:childTnLst>
+        </p:cTn>
+      </p:par>
+    </p:tnLst>
+    <p:bldLst>
+      <p:bldP spid="2" grpId="0"/>
+    </p:bldLst>
+  </p:timing>
 </p:sld>
 </file>
 

--- a/2.JVM JDK JRE/JDK JVM JRE.pptx
+++ b/2.JVM JDK JRE/JDK JVM JRE.pptx
@@ -10,9 +10,13 @@
     <p:sldId id="258" r:id="rId4"/>
     <p:sldId id="259" r:id="rId5"/>
     <p:sldId id="260" r:id="rId6"/>
-    <p:sldId id="261" r:id="rId7"/>
-    <p:sldId id="262" r:id="rId8"/>
-    <p:sldId id="263" r:id="rId9"/>
+    <p:sldId id="264" r:id="rId7"/>
+    <p:sldId id="265" r:id="rId8"/>
+    <p:sldId id="261" r:id="rId9"/>
+    <p:sldId id="262" r:id="rId10"/>
+    <p:sldId id="267" r:id="rId11"/>
+    <p:sldId id="263" r:id="rId12"/>
+    <p:sldId id="268" r:id="rId13"/>
   </p:sldIdLst>
   <p:sldSz cx="12192000" cy="6858000"/>
   <p:notesSz cx="6858000" cy="9144000"/>
@@ -266,7 +270,7 @@
           <a:p>
             <a:fld id="{B83E7483-D1AE-498A-ADA0-4EE2107F9C74}" type="datetimeFigureOut">
               <a:rPr lang="en-US" smtClean="0"/>
-              <a:t>1/25/2023</a:t>
+              <a:t>1/27/2023</a:t>
             </a:fld>
             <a:endParaRPr lang="en-US"/>
           </a:p>
@@ -464,7 +468,7 @@
           <a:p>
             <a:fld id="{B83E7483-D1AE-498A-ADA0-4EE2107F9C74}" type="datetimeFigureOut">
               <a:rPr lang="en-US" smtClean="0"/>
-              <a:t>1/25/2023</a:t>
+              <a:t>1/27/2023</a:t>
             </a:fld>
             <a:endParaRPr lang="en-US"/>
           </a:p>
@@ -672,7 +676,7 @@
           <a:p>
             <a:fld id="{B83E7483-D1AE-498A-ADA0-4EE2107F9C74}" type="datetimeFigureOut">
               <a:rPr lang="en-US" smtClean="0"/>
-              <a:t>1/25/2023</a:t>
+              <a:t>1/27/2023</a:t>
             </a:fld>
             <a:endParaRPr lang="en-US"/>
           </a:p>
@@ -870,7 +874,7 @@
           <a:p>
             <a:fld id="{B83E7483-D1AE-498A-ADA0-4EE2107F9C74}" type="datetimeFigureOut">
               <a:rPr lang="en-US" smtClean="0"/>
-              <a:t>1/25/2023</a:t>
+              <a:t>1/27/2023</a:t>
             </a:fld>
             <a:endParaRPr lang="en-US"/>
           </a:p>
@@ -1145,7 +1149,7 @@
           <a:p>
             <a:fld id="{B83E7483-D1AE-498A-ADA0-4EE2107F9C74}" type="datetimeFigureOut">
               <a:rPr lang="en-US" smtClean="0"/>
-              <a:t>1/25/2023</a:t>
+              <a:t>1/27/2023</a:t>
             </a:fld>
             <a:endParaRPr lang="en-US"/>
           </a:p>
@@ -1410,7 +1414,7 @@
           <a:p>
             <a:fld id="{B83E7483-D1AE-498A-ADA0-4EE2107F9C74}" type="datetimeFigureOut">
               <a:rPr lang="en-US" smtClean="0"/>
-              <a:t>1/25/2023</a:t>
+              <a:t>1/27/2023</a:t>
             </a:fld>
             <a:endParaRPr lang="en-US"/>
           </a:p>
@@ -1822,7 +1826,7 @@
           <a:p>
             <a:fld id="{B83E7483-D1AE-498A-ADA0-4EE2107F9C74}" type="datetimeFigureOut">
               <a:rPr lang="en-US" smtClean="0"/>
-              <a:t>1/25/2023</a:t>
+              <a:t>1/27/2023</a:t>
             </a:fld>
             <a:endParaRPr lang="en-US"/>
           </a:p>
@@ -1963,7 +1967,7 @@
           <a:p>
             <a:fld id="{B83E7483-D1AE-498A-ADA0-4EE2107F9C74}" type="datetimeFigureOut">
               <a:rPr lang="en-US" smtClean="0"/>
-              <a:t>1/25/2023</a:t>
+              <a:t>1/27/2023</a:t>
             </a:fld>
             <a:endParaRPr lang="en-US"/>
           </a:p>
@@ -2076,7 +2080,7 @@
           <a:p>
             <a:fld id="{B83E7483-D1AE-498A-ADA0-4EE2107F9C74}" type="datetimeFigureOut">
               <a:rPr lang="en-US" smtClean="0"/>
-              <a:t>1/25/2023</a:t>
+              <a:t>1/27/2023</a:t>
             </a:fld>
             <a:endParaRPr lang="en-US"/>
           </a:p>
@@ -2387,7 +2391,7 @@
           <a:p>
             <a:fld id="{B83E7483-D1AE-498A-ADA0-4EE2107F9C74}" type="datetimeFigureOut">
               <a:rPr lang="en-US" smtClean="0"/>
-              <a:t>1/25/2023</a:t>
+              <a:t>1/27/2023</a:t>
             </a:fld>
             <a:endParaRPr lang="en-US"/>
           </a:p>
@@ -2675,7 +2679,7 @@
           <a:p>
             <a:fld id="{B83E7483-D1AE-498A-ADA0-4EE2107F9C74}" type="datetimeFigureOut">
               <a:rPr lang="en-US" smtClean="0"/>
-              <a:t>1/25/2023</a:t>
+              <a:t>1/27/2023</a:t>
             </a:fld>
             <a:endParaRPr lang="en-US"/>
           </a:p>
@@ -2916,7 +2920,7 @@
           <a:p>
             <a:fld id="{B83E7483-D1AE-498A-ADA0-4EE2107F9C74}" type="datetimeFigureOut">
               <a:rPr lang="en-US" smtClean="0"/>
-              <a:t>1/25/2023</a:t>
+              <a:t>1/27/2023</a:t>
             </a:fld>
             <a:endParaRPr lang="en-US"/>
           </a:p>
@@ -3693,7 +3697,7 @@
         <p:spPr>
           <a:xfrm>
             <a:off x="2555631" y="1441938"/>
-            <a:ext cx="7080738" cy="3974124"/>
+            <a:ext cx="7430850" cy="3974124"/>
           </a:xfrm>
         </p:spPr>
         <p:txBody>
@@ -3711,7 +3715,7 @@
                   </a:schemeClr>
                 </a:solidFill>
               </a:rPr>
-              <a:t>Java Installed Structure</a:t>
+              <a:t>Java Installation Structure</a:t>
             </a:r>
           </a:p>
         </p:txBody>
@@ -3729,7 +3733,7 @@
 </p:sld>
 </file>
 
-<file path=ppt/slides/slide2.xml><?xml version="1.0" encoding="utf-8"?>
+<file path=ppt/slides/slide10.xml><?xml version="1.0" encoding="utf-8"?>
 <p:sld xmlns:a="http://schemas.openxmlformats.org/drawingml/2006/main" xmlns:r="http://schemas.openxmlformats.org/officeDocument/2006/relationships" xmlns:p="http://schemas.openxmlformats.org/presentationml/2006/main">
   <p:cSld>
     <p:spTree>
@@ -3746,12 +3750,40 @@
           <a:chExt cx="0" cy="0"/>
         </a:xfrm>
       </p:grpSpPr>
+      <p:sp>
+        <p:nvSpPr>
+          <p:cNvPr id="2" name="Title 1">
+            <a:extLst>
+              <a:ext uri="{FF2B5EF4-FFF2-40B4-BE49-F238E27FC236}">
+                <a16:creationId xmlns:a16="http://schemas.microsoft.com/office/drawing/2014/main" id="{ACE9844D-C3B3-489C-B4DB-237C98E39E1E}"/>
+              </a:ext>
+            </a:extLst>
+          </p:cNvPr>
+          <p:cNvSpPr>
+            <a:spLocks noGrp="1"/>
+          </p:cNvSpPr>
+          <p:nvPr>
+            <p:ph type="title"/>
+          </p:nvPr>
+        </p:nvSpPr>
+        <p:spPr/>
+        <p:txBody>
+          <a:bodyPr/>
+          <a:lstStyle/>
+          <a:p>
+            <a:r>
+              <a:rPr lang="en-US" dirty="0"/>
+              <a:t>JVM Architecture</a:t>
+            </a:r>
+          </a:p>
+        </p:txBody>
+      </p:sp>
       <p:pic>
         <p:nvPicPr>
-          <p:cNvPr id="4" name="Content Placeholder 3">
-            <a:extLst>
-              <a:ext uri="{FF2B5EF4-FFF2-40B4-BE49-F238E27FC236}">
-                <a16:creationId xmlns:a16="http://schemas.microsoft.com/office/drawing/2014/main" id="{2A1CD1DC-5F9A-497B-8B43-A2E38885093A}"/>
+          <p:cNvPr id="5" name="Content Placeholder 4">
+            <a:extLst>
+              <a:ext uri="{FF2B5EF4-FFF2-40B4-BE49-F238E27FC236}">
+                <a16:creationId xmlns:a16="http://schemas.microsoft.com/office/drawing/2014/main" id="{34B6D422-F4D5-4F23-8149-5FD528BF0796}"/>
               </a:ext>
             </a:extLst>
           </p:cNvPr>
@@ -3770,160 +3802,15 @@
         </p:blipFill>
         <p:spPr>
           <a:xfrm>
-            <a:off x="2625216" y="664645"/>
-            <a:ext cx="6169463" cy="4554627"/>
+            <a:off x="838200" y="1948480"/>
+            <a:ext cx="10515600" cy="4105627"/>
           </a:xfrm>
-          <a:prstGeom prst="rect">
-            <a:avLst/>
-          </a:prstGeom>
         </p:spPr>
       </p:pic>
-      <p:sp>
-        <p:nvSpPr>
-          <p:cNvPr id="6" name="TextBox 5">
-            <a:extLst>
-              <a:ext uri="{FF2B5EF4-FFF2-40B4-BE49-F238E27FC236}">
-                <a16:creationId xmlns:a16="http://schemas.microsoft.com/office/drawing/2014/main" id="{96EE7D03-83A1-488F-BD52-884BEFD45128}"/>
-              </a:ext>
-            </a:extLst>
-          </p:cNvPr>
-          <p:cNvSpPr txBox="1"/>
-          <p:nvPr/>
-        </p:nvSpPr>
-        <p:spPr>
-          <a:xfrm>
-            <a:off x="3469072" y="5219272"/>
-            <a:ext cx="6097712" cy="774507"/>
-          </a:xfrm>
-          <a:prstGeom prst="rect">
-            <a:avLst/>
-          </a:prstGeom>
-          <a:noFill/>
-        </p:spPr>
-        <p:txBody>
-          <a:bodyPr wrap="square">
-            <a:spAutoFit/>
-          </a:bodyPr>
-          <a:lstStyle/>
-          <a:p>
-            <a:pPr>
-              <a:lnSpc>
-                <a:spcPct val="107000"/>
-              </a:lnSpc>
-              <a:spcAft>
-                <a:spcPts val="800"/>
-              </a:spcAft>
-            </a:pPr>
-            <a:r>
-              <a:rPr lang="en-US" sz="1800" dirty="0">
-                <a:solidFill>
-                  <a:srgbClr val="212121"/>
-                </a:solidFill>
-                <a:effectLst/>
-                <a:latin typeface="Calibri" panose="020F0502020204030204" pitchFamily="34" charset="0"/>
-                <a:ea typeface="Calibri" panose="020F0502020204030204" pitchFamily="34" charset="0"/>
-                <a:cs typeface="Calibri" panose="020F0502020204030204" pitchFamily="34" charset="0"/>
-              </a:rPr>
-              <a:t>JDK = JRE + tools to develop Java Application</a:t>
-            </a:r>
-          </a:p>
-          <a:p>
-            <a:pPr marL="0" marR="0">
-              <a:lnSpc>
-                <a:spcPct val="107000"/>
-              </a:lnSpc>
-              <a:spcBef>
-                <a:spcPts val="0"/>
-              </a:spcBef>
-              <a:spcAft>
-                <a:spcPts val="800"/>
-              </a:spcAft>
-            </a:pPr>
-            <a:r>
-              <a:rPr lang="en-US" sz="1800" dirty="0">
-                <a:solidFill>
-                  <a:srgbClr val="212121"/>
-                </a:solidFill>
-                <a:effectLst/>
-                <a:latin typeface="Calibri" panose="020F0502020204030204" pitchFamily="34" charset="0"/>
-                <a:ea typeface="Calibri" panose="020F0502020204030204" pitchFamily="34" charset="0"/>
-                <a:cs typeface="Calibri" panose="020F0502020204030204" pitchFamily="34" charset="0"/>
-              </a:rPr>
-              <a:t>JRE = JVM + libraries to run Java application</a:t>
-            </a:r>
-            <a:endParaRPr lang="en-US" sz="3200" dirty="0">
-              <a:effectLst/>
-              <a:latin typeface="Calibri" panose="020F0502020204030204" pitchFamily="34" charset="0"/>
-              <a:ea typeface="Calibri" panose="020F0502020204030204" pitchFamily="34" charset="0"/>
-              <a:cs typeface="Times New Roman" panose="02020603050405020304" pitchFamily="18" charset="0"/>
-            </a:endParaRPr>
-          </a:p>
-        </p:txBody>
-      </p:sp>
-      <p:sp>
-        <p:nvSpPr>
-          <p:cNvPr id="8" name="TextBox 7">
-            <a:extLst>
-              <a:ext uri="{FF2B5EF4-FFF2-40B4-BE49-F238E27FC236}">
-                <a16:creationId xmlns:a16="http://schemas.microsoft.com/office/drawing/2014/main" id="{545E9C63-7D33-4B60-95DF-C58C031E6231}"/>
-              </a:ext>
-            </a:extLst>
-          </p:cNvPr>
-          <p:cNvSpPr txBox="1"/>
-          <p:nvPr/>
-        </p:nvSpPr>
-        <p:spPr>
-          <a:xfrm>
-            <a:off x="613880" y="289093"/>
-            <a:ext cx="6097712" cy="580993"/>
-          </a:xfrm>
-          <a:prstGeom prst="rect">
-            <a:avLst/>
-          </a:prstGeom>
-          <a:noFill/>
-        </p:spPr>
-        <p:txBody>
-          <a:bodyPr wrap="square">
-            <a:spAutoFit/>
-          </a:bodyPr>
-          <a:lstStyle/>
-          <a:p>
-            <a:pPr marL="0" marR="0">
-              <a:lnSpc>
-                <a:spcPct val="107000"/>
-              </a:lnSpc>
-              <a:spcBef>
-                <a:spcPts val="0"/>
-              </a:spcBef>
-              <a:spcAft>
-                <a:spcPts val="800"/>
-              </a:spcAft>
-            </a:pPr>
-            <a:r>
-              <a:rPr lang="en-US" sz="3200" dirty="0">
-                <a:solidFill>
-                  <a:srgbClr val="212121"/>
-                </a:solidFill>
-                <a:effectLst/>
-                <a:latin typeface="Arial" panose="020B0604020202020204" pitchFamily="34" charset="0"/>
-                <a:ea typeface="Calibri" panose="020F0502020204030204" pitchFamily="34" charset="0"/>
-                <a:cs typeface="Arial" panose="020B0604020202020204" pitchFamily="34" charset="0"/>
-              </a:rPr>
-              <a:t>Java Structure</a:t>
-            </a:r>
-            <a:endParaRPr lang="en-US" sz="3200" dirty="0">
-              <a:effectLst/>
-              <a:latin typeface="Arial" panose="020B0604020202020204" pitchFamily="34" charset="0"/>
-              <a:ea typeface="Calibri" panose="020F0502020204030204" pitchFamily="34" charset="0"/>
-              <a:cs typeface="Arial" panose="020B0604020202020204" pitchFamily="34" charset="0"/>
-            </a:endParaRPr>
-          </a:p>
-        </p:txBody>
-      </p:sp>
     </p:spTree>
     <p:extLst>
       <p:ext uri="{BB962C8B-B14F-4D97-AF65-F5344CB8AC3E}">
-        <p14:creationId xmlns:p14="http://schemas.microsoft.com/office/powerpoint/2010/main" val="3573572643"/>
+        <p14:creationId xmlns:p14="http://schemas.microsoft.com/office/powerpoint/2010/main" val="2130253640"/>
       </p:ext>
     </p:extLst>
   </p:cSld>
@@ -3933,7 +3820,7 @@
 </p:sld>
 </file>
 
-<file path=ppt/slides/slide3.xml><?xml version="1.0" encoding="utf-8"?>
+<file path=ppt/slides/slide11.xml><?xml version="1.0" encoding="utf-8"?>
 <p:sld xmlns:a="http://schemas.openxmlformats.org/drawingml/2006/main" xmlns:r="http://schemas.openxmlformats.org/officeDocument/2006/relationships" xmlns:p="http://schemas.openxmlformats.org/presentationml/2006/main">
   <p:cSld>
     <p:spTree>
@@ -3952,10 +3839,38 @@
       </p:grpSpPr>
       <p:sp>
         <p:nvSpPr>
+          <p:cNvPr id="2" name="Title 1">
+            <a:extLst>
+              <a:ext uri="{FF2B5EF4-FFF2-40B4-BE49-F238E27FC236}">
+                <a16:creationId xmlns:a16="http://schemas.microsoft.com/office/drawing/2014/main" id="{5FF5B6D8-962E-48F7-9394-97D724DE1BA9}"/>
+              </a:ext>
+            </a:extLst>
+          </p:cNvPr>
+          <p:cNvSpPr>
+            <a:spLocks noGrp="1"/>
+          </p:cNvSpPr>
+          <p:nvPr>
+            <p:ph type="title"/>
+          </p:nvPr>
+        </p:nvSpPr>
+        <p:spPr/>
+        <p:txBody>
+          <a:bodyPr/>
+          <a:lstStyle/>
+          <a:p>
+            <a:r>
+              <a:rPr lang="en-US" dirty="0"/>
+              <a:t>Execution Engine</a:t>
+            </a:r>
+          </a:p>
+        </p:txBody>
+      </p:sp>
+      <p:sp>
+        <p:nvSpPr>
           <p:cNvPr id="3" name="Content Placeholder 2">
             <a:extLst>
               <a:ext uri="{FF2B5EF4-FFF2-40B4-BE49-F238E27FC236}">
-                <a16:creationId xmlns:a16="http://schemas.microsoft.com/office/drawing/2014/main" id="{5708DA27-6607-4118-80B7-AC4E54394F0D}"/>
+                <a16:creationId xmlns:a16="http://schemas.microsoft.com/office/drawing/2014/main" id="{A9056035-9569-49BD-B1DE-0CAA889D8304}"/>
               </a:ext>
             </a:extLst>
           </p:cNvPr>
@@ -3966,68 +3881,26 @@
             <p:ph idx="1"/>
           </p:nvPr>
         </p:nvSpPr>
-        <p:spPr>
-          <a:xfrm>
-            <a:off x="838200" y="955497"/>
-            <a:ext cx="10515600" cy="5221466"/>
-          </a:xfrm>
-        </p:spPr>
+        <p:spPr/>
         <p:txBody>
           <a:bodyPr/>
           <a:lstStyle/>
           <a:p>
-            <a:pPr marL="0" indent="0">
-              <a:buNone/>
-            </a:pPr>
-            <a:r>
-              <a:rPr lang="en-US" sz="3600" dirty="0">
-                <a:latin typeface="Arial" panose="020B0604020202020204" pitchFamily="34" charset="0"/>
-                <a:cs typeface="Arial" panose="020B0604020202020204" pitchFamily="34" charset="0"/>
-              </a:rPr>
-              <a:t>JVM</a:t>
-            </a:r>
-          </a:p>
-          <a:p>
-            <a:pPr marL="0" indent="0">
-              <a:buNone/>
-            </a:pPr>
             <a:r>
               <a:rPr lang="en-US" dirty="0"/>
-              <a:t>	</a:t>
-            </a:r>
-            <a:r>
-              <a:rPr lang="en-US" dirty="0">
-                <a:latin typeface="Arial" panose="020B0604020202020204" pitchFamily="34" charset="0"/>
-                <a:cs typeface="Arial" panose="020B0604020202020204" pitchFamily="34" charset="0"/>
-              </a:rPr>
-              <a:t>JVM acts as interpreter in JAVA</a:t>
-            </a:r>
-          </a:p>
-          <a:p>
-            <a:pPr marL="0" indent="0">
-              <a:buNone/>
-            </a:pPr>
-            <a:endParaRPr lang="en-US" dirty="0"/>
-          </a:p>
-          <a:p>
-            <a:pPr marL="0" indent="0">
-              <a:buNone/>
-            </a:pPr>
-            <a:r>
-              <a:rPr lang="en-US" sz="3600" dirty="0">
-                <a:latin typeface="Arial" panose="020B0604020202020204" pitchFamily="34" charset="0"/>
-                <a:cs typeface="Arial" panose="020B0604020202020204" pitchFamily="34" charset="0"/>
-              </a:rPr>
-              <a:t>Libraries</a:t>
-            </a:r>
-          </a:p>
-          <a:p>
-            <a:pPr marL="0" indent="0">
-              <a:buNone/>
-            </a:pPr>
+              <a:t>Interpreter</a:t>
+            </a:r>
+          </a:p>
+          <a:p>
             <a:r>
               <a:rPr lang="en-US" dirty="0"/>
-              <a:t>	These libraries are just a collection of classes which are predefined in JAVA.</a:t>
+              <a:t>JIT compiler</a:t>
+            </a:r>
+          </a:p>
+          <a:p>
+            <a:r>
+              <a:rPr lang="en-US" dirty="0"/>
+              <a:t>Garbage collector</a:t>
             </a:r>
           </a:p>
         </p:txBody>
@@ -4035,7 +3908,7 @@
     </p:spTree>
     <p:extLst>
       <p:ext uri="{BB962C8B-B14F-4D97-AF65-F5344CB8AC3E}">
-        <p14:creationId xmlns:p14="http://schemas.microsoft.com/office/powerpoint/2010/main" val="2598944491"/>
+        <p14:creationId xmlns:p14="http://schemas.microsoft.com/office/powerpoint/2010/main" val="790705821"/>
       </p:ext>
     </p:extLst>
   </p:cSld>
@@ -4176,6 +4049,1861 @@
                                         <p:tgtEl>
                                           <p:spTgt spid="3">
                                             <p:txEl>
+                                              <p:pRg st="2" end="2"/>
+                                            </p:txEl>
+                                          </p:spTgt>
+                                        </p:tgtEl>
+                                        <p:attrNameLst>
+                                          <p:attrName>style.visibility</p:attrName>
+                                        </p:attrNameLst>
+                                      </p:cBhvr>
+                                      <p:to>
+                                        <p:strVal val="visible"/>
+                                      </p:to>
+                                    </p:set>
+                                  </p:childTnLst>
+                                </p:cTn>
+                              </p:par>
+                            </p:childTnLst>
+                          </p:cTn>
+                        </p:par>
+                      </p:childTnLst>
+                    </p:cTn>
+                  </p:par>
+                </p:childTnLst>
+              </p:cTn>
+              <p:prevCondLst>
+                <p:cond evt="onPrev" delay="0">
+                  <p:tgtEl>
+                    <p:sldTgt/>
+                  </p:tgtEl>
+                </p:cond>
+              </p:prevCondLst>
+              <p:nextCondLst>
+                <p:cond evt="onNext" delay="0">
+                  <p:tgtEl>
+                    <p:sldTgt/>
+                  </p:tgtEl>
+                </p:cond>
+              </p:nextCondLst>
+            </p:seq>
+          </p:childTnLst>
+        </p:cTn>
+      </p:par>
+    </p:tnLst>
+  </p:timing>
+</p:sld>
+</file>
+
+<file path=ppt/slides/slide12.xml><?xml version="1.0" encoding="utf-8"?>
+<p:sld xmlns:a="http://schemas.openxmlformats.org/drawingml/2006/main" xmlns:r="http://schemas.openxmlformats.org/officeDocument/2006/relationships" xmlns:p="http://schemas.openxmlformats.org/presentationml/2006/main">
+  <p:cSld>
+    <p:spTree>
+      <p:nvGrpSpPr>
+        <p:cNvPr id="1" name=""/>
+        <p:cNvGrpSpPr/>
+        <p:nvPr/>
+      </p:nvGrpSpPr>
+      <p:grpSpPr>
+        <a:xfrm>
+          <a:off x="0" y="0"/>
+          <a:ext cx="0" cy="0"/>
+          <a:chOff x="0" y="0"/>
+          <a:chExt cx="0" cy="0"/>
+        </a:xfrm>
+      </p:grpSpPr>
+      <p:sp>
+        <p:nvSpPr>
+          <p:cNvPr id="2" name="Title 1">
+            <a:extLst>
+              <a:ext uri="{FF2B5EF4-FFF2-40B4-BE49-F238E27FC236}">
+                <a16:creationId xmlns:a16="http://schemas.microsoft.com/office/drawing/2014/main" id="{ACE9844D-C3B3-489C-B4DB-237C98E39E1E}"/>
+              </a:ext>
+            </a:extLst>
+          </p:cNvPr>
+          <p:cNvSpPr>
+            <a:spLocks noGrp="1"/>
+          </p:cNvSpPr>
+          <p:nvPr>
+            <p:ph type="title"/>
+          </p:nvPr>
+        </p:nvSpPr>
+        <p:spPr/>
+        <p:txBody>
+          <a:bodyPr/>
+          <a:lstStyle/>
+          <a:p>
+            <a:r>
+              <a:rPr lang="en-US" dirty="0"/>
+              <a:t>JVM Architecture</a:t>
+            </a:r>
+          </a:p>
+        </p:txBody>
+      </p:sp>
+      <p:pic>
+        <p:nvPicPr>
+          <p:cNvPr id="5" name="Content Placeholder 4">
+            <a:extLst>
+              <a:ext uri="{FF2B5EF4-FFF2-40B4-BE49-F238E27FC236}">
+                <a16:creationId xmlns:a16="http://schemas.microsoft.com/office/drawing/2014/main" id="{34B6D422-F4D5-4F23-8149-5FD528BF0796}"/>
+              </a:ext>
+            </a:extLst>
+          </p:cNvPr>
+          <p:cNvPicPr>
+            <a:picLocks noGrp="1" noChangeAspect="1"/>
+          </p:cNvPicPr>
+          <p:nvPr>
+            <p:ph idx="1"/>
+          </p:nvPr>
+        </p:nvPicPr>
+        <p:blipFill>
+          <a:blip r:embed="rId2"/>
+          <a:stretch>
+            <a:fillRect/>
+          </a:stretch>
+        </p:blipFill>
+        <p:spPr>
+          <a:xfrm>
+            <a:off x="838200" y="1948480"/>
+            <a:ext cx="10515600" cy="4105627"/>
+          </a:xfrm>
+        </p:spPr>
+      </p:pic>
+    </p:spTree>
+    <p:extLst>
+      <p:ext uri="{BB962C8B-B14F-4D97-AF65-F5344CB8AC3E}">
+        <p14:creationId xmlns:p14="http://schemas.microsoft.com/office/powerpoint/2010/main" val="1464466544"/>
+      </p:ext>
+    </p:extLst>
+  </p:cSld>
+  <p:clrMapOvr>
+    <a:masterClrMapping/>
+  </p:clrMapOvr>
+</p:sld>
+</file>
+
+<file path=ppt/slides/slide2.xml><?xml version="1.0" encoding="utf-8"?>
+<p:sld xmlns:a="http://schemas.openxmlformats.org/drawingml/2006/main" xmlns:r="http://schemas.openxmlformats.org/officeDocument/2006/relationships" xmlns:p="http://schemas.openxmlformats.org/presentationml/2006/main">
+  <p:cSld>
+    <p:spTree>
+      <p:nvGrpSpPr>
+        <p:cNvPr id="1" name=""/>
+        <p:cNvGrpSpPr/>
+        <p:nvPr/>
+      </p:nvGrpSpPr>
+      <p:grpSpPr>
+        <a:xfrm>
+          <a:off x="0" y="0"/>
+          <a:ext cx="0" cy="0"/>
+          <a:chOff x="0" y="0"/>
+          <a:chExt cx="0" cy="0"/>
+        </a:xfrm>
+      </p:grpSpPr>
+      <p:pic>
+        <p:nvPicPr>
+          <p:cNvPr id="4" name="Content Placeholder 3">
+            <a:extLst>
+              <a:ext uri="{FF2B5EF4-FFF2-40B4-BE49-F238E27FC236}">
+                <a16:creationId xmlns:a16="http://schemas.microsoft.com/office/drawing/2014/main" id="{2A1CD1DC-5F9A-497B-8B43-A2E38885093A}"/>
+              </a:ext>
+            </a:extLst>
+          </p:cNvPr>
+          <p:cNvPicPr>
+            <a:picLocks noGrp="1" noChangeAspect="1"/>
+          </p:cNvPicPr>
+          <p:nvPr>
+            <p:ph idx="1"/>
+          </p:nvPr>
+        </p:nvPicPr>
+        <p:blipFill>
+          <a:blip r:embed="rId2"/>
+          <a:stretch>
+            <a:fillRect/>
+          </a:stretch>
+        </p:blipFill>
+        <p:spPr>
+          <a:xfrm>
+            <a:off x="2625216" y="664645"/>
+            <a:ext cx="6169463" cy="4554627"/>
+          </a:xfrm>
+          <a:prstGeom prst="rect">
+            <a:avLst/>
+          </a:prstGeom>
+        </p:spPr>
+      </p:pic>
+      <p:sp>
+        <p:nvSpPr>
+          <p:cNvPr id="6" name="TextBox 5">
+            <a:extLst>
+              <a:ext uri="{FF2B5EF4-FFF2-40B4-BE49-F238E27FC236}">
+                <a16:creationId xmlns:a16="http://schemas.microsoft.com/office/drawing/2014/main" id="{96EE7D03-83A1-488F-BD52-884BEFD45128}"/>
+              </a:ext>
+            </a:extLst>
+          </p:cNvPr>
+          <p:cNvSpPr txBox="1"/>
+          <p:nvPr/>
+        </p:nvSpPr>
+        <p:spPr>
+          <a:xfrm>
+            <a:off x="3469072" y="5219272"/>
+            <a:ext cx="6097712" cy="774507"/>
+          </a:xfrm>
+          <a:prstGeom prst="rect">
+            <a:avLst/>
+          </a:prstGeom>
+          <a:noFill/>
+        </p:spPr>
+        <p:txBody>
+          <a:bodyPr wrap="square">
+            <a:spAutoFit/>
+          </a:bodyPr>
+          <a:lstStyle/>
+          <a:p>
+            <a:pPr>
+              <a:lnSpc>
+                <a:spcPct val="107000"/>
+              </a:lnSpc>
+              <a:spcAft>
+                <a:spcPts val="800"/>
+              </a:spcAft>
+            </a:pPr>
+            <a:r>
+              <a:rPr lang="en-US" sz="1800" dirty="0">
+                <a:solidFill>
+                  <a:srgbClr val="212121"/>
+                </a:solidFill>
+                <a:effectLst/>
+                <a:latin typeface="Calibri" panose="020F0502020204030204" pitchFamily="34" charset="0"/>
+                <a:ea typeface="Calibri" panose="020F0502020204030204" pitchFamily="34" charset="0"/>
+                <a:cs typeface="Calibri" panose="020F0502020204030204" pitchFamily="34" charset="0"/>
+              </a:rPr>
+              <a:t>JDK = JRE + tools to develop Java Application</a:t>
+            </a:r>
+          </a:p>
+          <a:p>
+            <a:pPr marL="0" marR="0">
+              <a:lnSpc>
+                <a:spcPct val="107000"/>
+              </a:lnSpc>
+              <a:spcBef>
+                <a:spcPts val="0"/>
+              </a:spcBef>
+              <a:spcAft>
+                <a:spcPts val="800"/>
+              </a:spcAft>
+            </a:pPr>
+            <a:r>
+              <a:rPr lang="en-US" sz="1800" dirty="0">
+                <a:solidFill>
+                  <a:srgbClr val="212121"/>
+                </a:solidFill>
+                <a:effectLst/>
+                <a:latin typeface="Calibri" panose="020F0502020204030204" pitchFamily="34" charset="0"/>
+                <a:ea typeface="Calibri" panose="020F0502020204030204" pitchFamily="34" charset="0"/>
+                <a:cs typeface="Calibri" panose="020F0502020204030204" pitchFamily="34" charset="0"/>
+              </a:rPr>
+              <a:t>JRE = JVM + libraries to run Java application</a:t>
+            </a:r>
+            <a:endParaRPr lang="en-US" sz="3200" dirty="0">
+              <a:effectLst/>
+              <a:latin typeface="Calibri" panose="020F0502020204030204" pitchFamily="34" charset="0"/>
+              <a:ea typeface="Calibri" panose="020F0502020204030204" pitchFamily="34" charset="0"/>
+              <a:cs typeface="Times New Roman" panose="02020603050405020304" pitchFamily="18" charset="0"/>
+            </a:endParaRPr>
+          </a:p>
+        </p:txBody>
+      </p:sp>
+      <p:sp>
+        <p:nvSpPr>
+          <p:cNvPr id="8" name="TextBox 7">
+            <a:extLst>
+              <a:ext uri="{FF2B5EF4-FFF2-40B4-BE49-F238E27FC236}">
+                <a16:creationId xmlns:a16="http://schemas.microsoft.com/office/drawing/2014/main" id="{545E9C63-7D33-4B60-95DF-C58C031E6231}"/>
+              </a:ext>
+            </a:extLst>
+          </p:cNvPr>
+          <p:cNvSpPr txBox="1"/>
+          <p:nvPr/>
+        </p:nvSpPr>
+        <p:spPr>
+          <a:xfrm>
+            <a:off x="613880" y="289093"/>
+            <a:ext cx="6097712" cy="580993"/>
+          </a:xfrm>
+          <a:prstGeom prst="rect">
+            <a:avLst/>
+          </a:prstGeom>
+          <a:noFill/>
+        </p:spPr>
+        <p:txBody>
+          <a:bodyPr wrap="square">
+            <a:spAutoFit/>
+          </a:bodyPr>
+          <a:lstStyle/>
+          <a:p>
+            <a:pPr marL="0" marR="0">
+              <a:lnSpc>
+                <a:spcPct val="107000"/>
+              </a:lnSpc>
+              <a:spcBef>
+                <a:spcPts val="0"/>
+              </a:spcBef>
+              <a:spcAft>
+                <a:spcPts val="800"/>
+              </a:spcAft>
+            </a:pPr>
+            <a:r>
+              <a:rPr lang="en-US" sz="3200" dirty="0">
+                <a:solidFill>
+                  <a:srgbClr val="212121"/>
+                </a:solidFill>
+                <a:effectLst/>
+                <a:latin typeface="Arial" panose="020B0604020202020204" pitchFamily="34" charset="0"/>
+                <a:ea typeface="Calibri" panose="020F0502020204030204" pitchFamily="34" charset="0"/>
+                <a:cs typeface="Arial" panose="020B0604020202020204" pitchFamily="34" charset="0"/>
+              </a:rPr>
+              <a:t>Java Structure</a:t>
+            </a:r>
+            <a:endParaRPr lang="en-US" sz="3200" dirty="0">
+              <a:effectLst/>
+              <a:latin typeface="Arial" panose="020B0604020202020204" pitchFamily="34" charset="0"/>
+              <a:ea typeface="Calibri" panose="020F0502020204030204" pitchFamily="34" charset="0"/>
+              <a:cs typeface="Arial" panose="020B0604020202020204" pitchFamily="34" charset="0"/>
+            </a:endParaRPr>
+          </a:p>
+        </p:txBody>
+      </p:sp>
+    </p:spTree>
+    <p:extLst>
+      <p:ext uri="{BB962C8B-B14F-4D97-AF65-F5344CB8AC3E}">
+        <p14:creationId xmlns:p14="http://schemas.microsoft.com/office/powerpoint/2010/main" val="3573572643"/>
+      </p:ext>
+    </p:extLst>
+  </p:cSld>
+  <p:clrMapOvr>
+    <a:masterClrMapping/>
+  </p:clrMapOvr>
+</p:sld>
+</file>
+
+<file path=ppt/slides/slide3.xml><?xml version="1.0" encoding="utf-8"?>
+<p:sld xmlns:a="http://schemas.openxmlformats.org/drawingml/2006/main" xmlns:r="http://schemas.openxmlformats.org/officeDocument/2006/relationships" xmlns:p="http://schemas.openxmlformats.org/presentationml/2006/main">
+  <p:cSld>
+    <p:spTree>
+      <p:nvGrpSpPr>
+        <p:cNvPr id="1" name=""/>
+        <p:cNvGrpSpPr/>
+        <p:nvPr/>
+      </p:nvGrpSpPr>
+      <p:grpSpPr>
+        <a:xfrm>
+          <a:off x="0" y="0"/>
+          <a:ext cx="0" cy="0"/>
+          <a:chOff x="0" y="0"/>
+          <a:chExt cx="0" cy="0"/>
+        </a:xfrm>
+      </p:grpSpPr>
+      <p:sp>
+        <p:nvSpPr>
+          <p:cNvPr id="3" name="Content Placeholder 2">
+            <a:extLst>
+              <a:ext uri="{FF2B5EF4-FFF2-40B4-BE49-F238E27FC236}">
+                <a16:creationId xmlns:a16="http://schemas.microsoft.com/office/drawing/2014/main" id="{5708DA27-6607-4118-80B7-AC4E54394F0D}"/>
+              </a:ext>
+            </a:extLst>
+          </p:cNvPr>
+          <p:cNvSpPr>
+            <a:spLocks noGrp="1"/>
+          </p:cNvSpPr>
+          <p:nvPr>
+            <p:ph idx="1"/>
+          </p:nvPr>
+        </p:nvSpPr>
+        <p:spPr>
+          <a:xfrm>
+            <a:off x="838200" y="955497"/>
+            <a:ext cx="10515600" cy="5221466"/>
+          </a:xfrm>
+        </p:spPr>
+        <p:txBody>
+          <a:bodyPr/>
+          <a:lstStyle/>
+          <a:p>
+            <a:pPr marL="0" indent="0">
+              <a:buNone/>
+            </a:pPr>
+            <a:r>
+              <a:rPr lang="en-US" sz="3600" b="1" dirty="0">
+                <a:latin typeface="Arial" panose="020B0604020202020204" pitchFamily="34" charset="0"/>
+                <a:cs typeface="Arial" panose="020B0604020202020204" pitchFamily="34" charset="0"/>
+              </a:rPr>
+              <a:t>JVM</a:t>
+            </a:r>
+          </a:p>
+          <a:p>
+            <a:pPr marL="0" indent="0">
+              <a:buNone/>
+            </a:pPr>
+            <a:r>
+              <a:rPr lang="en-US" dirty="0"/>
+              <a:t>	</a:t>
+            </a:r>
+            <a:r>
+              <a:rPr lang="en-US" dirty="0">
+                <a:latin typeface="Arial" panose="020B0604020202020204" pitchFamily="34" charset="0"/>
+                <a:cs typeface="Arial" panose="020B0604020202020204" pitchFamily="34" charset="0"/>
+              </a:rPr>
+              <a:t>JVM acts as interpreter in JAVA</a:t>
+            </a:r>
+          </a:p>
+          <a:p>
+            <a:pPr marL="0" indent="0">
+              <a:buNone/>
+            </a:pPr>
+            <a:endParaRPr lang="en-US" dirty="0"/>
+          </a:p>
+          <a:p>
+            <a:pPr marL="0" indent="0">
+              <a:buNone/>
+            </a:pPr>
+            <a:r>
+              <a:rPr lang="en-US" sz="3600" b="1" dirty="0">
+                <a:latin typeface="Arial" panose="020B0604020202020204" pitchFamily="34" charset="0"/>
+                <a:cs typeface="Arial" panose="020B0604020202020204" pitchFamily="34" charset="0"/>
+              </a:rPr>
+              <a:t>Libraries</a:t>
+            </a:r>
+          </a:p>
+          <a:p>
+            <a:pPr marL="0" indent="0">
+              <a:buNone/>
+            </a:pPr>
+            <a:r>
+              <a:rPr lang="en-US" dirty="0"/>
+              <a:t>	These libraries are just a collection of classes which are predefined in JAVA.</a:t>
+            </a:r>
+          </a:p>
+          <a:p>
+            <a:pPr marL="0" indent="0">
+              <a:buNone/>
+            </a:pPr>
+            <a:r>
+              <a:rPr lang="en-US" dirty="0"/>
+              <a:t>Ex : java. lang, java. util</a:t>
+            </a:r>
+          </a:p>
+          <a:p>
+            <a:pPr marL="0" indent="0">
+              <a:buNone/>
+            </a:pPr>
+            <a:endParaRPr lang="en-US" dirty="0"/>
+          </a:p>
+        </p:txBody>
+      </p:sp>
+    </p:spTree>
+    <p:extLst>
+      <p:ext uri="{BB962C8B-B14F-4D97-AF65-F5344CB8AC3E}">
+        <p14:creationId xmlns:p14="http://schemas.microsoft.com/office/powerpoint/2010/main" val="2598944491"/>
+      </p:ext>
+    </p:extLst>
+  </p:cSld>
+  <p:clrMapOvr>
+    <a:masterClrMapping/>
+  </p:clrMapOvr>
+  <p:timing>
+    <p:tnLst>
+      <p:par>
+        <p:cTn id="1" dur="indefinite" restart="never" nodeType="tmRoot">
+          <p:childTnLst>
+            <p:seq concurrent="1" nextAc="seek">
+              <p:cTn id="2" dur="indefinite" nodeType="mainSeq">
+                <p:childTnLst>
+                  <p:par>
+                    <p:cTn id="3" fill="hold">
+                      <p:stCondLst>
+                        <p:cond delay="indefinite"/>
+                      </p:stCondLst>
+                      <p:childTnLst>
+                        <p:par>
+                          <p:cTn id="4" fill="hold">
+                            <p:stCondLst>
+                              <p:cond delay="0"/>
+                            </p:stCondLst>
+                            <p:childTnLst>
+                              <p:par>
+                                <p:cTn id="5" presetID="1" presetClass="entr" presetSubtype="0" fill="hold" nodeType="clickEffect">
+                                  <p:stCondLst>
+                                    <p:cond delay="0"/>
+                                  </p:stCondLst>
+                                  <p:childTnLst>
+                                    <p:set>
+                                      <p:cBhvr>
+                                        <p:cTn id="6" dur="1" fill="hold">
+                                          <p:stCondLst>
+                                            <p:cond delay="0"/>
+                                          </p:stCondLst>
+                                        </p:cTn>
+                                        <p:tgtEl>
+                                          <p:spTgt spid="3">
+                                            <p:txEl>
+                                              <p:pRg st="1" end="1"/>
+                                            </p:txEl>
+                                          </p:spTgt>
+                                        </p:tgtEl>
+                                        <p:attrNameLst>
+                                          <p:attrName>style.visibility</p:attrName>
+                                        </p:attrNameLst>
+                                      </p:cBhvr>
+                                      <p:to>
+                                        <p:strVal val="visible"/>
+                                      </p:to>
+                                    </p:set>
+                                  </p:childTnLst>
+                                </p:cTn>
+                              </p:par>
+                            </p:childTnLst>
+                          </p:cTn>
+                        </p:par>
+                      </p:childTnLst>
+                    </p:cTn>
+                  </p:par>
+                  <p:par>
+                    <p:cTn id="7" fill="hold">
+                      <p:stCondLst>
+                        <p:cond delay="indefinite"/>
+                      </p:stCondLst>
+                      <p:childTnLst>
+                        <p:par>
+                          <p:cTn id="8" fill="hold">
+                            <p:stCondLst>
+                              <p:cond delay="0"/>
+                            </p:stCondLst>
+                            <p:childTnLst>
+                              <p:par>
+                                <p:cTn id="9" presetID="1" presetClass="entr" presetSubtype="0" fill="hold" nodeType="clickEffect">
+                                  <p:stCondLst>
+                                    <p:cond delay="0"/>
+                                  </p:stCondLst>
+                                  <p:childTnLst>
+                                    <p:set>
+                                      <p:cBhvr>
+                                        <p:cTn id="10" dur="1" fill="hold">
+                                          <p:stCondLst>
+                                            <p:cond delay="0"/>
+                                          </p:stCondLst>
+                                        </p:cTn>
+                                        <p:tgtEl>
+                                          <p:spTgt spid="3">
+                                            <p:txEl>
+                                              <p:pRg st="3" end="3"/>
+                                            </p:txEl>
+                                          </p:spTgt>
+                                        </p:tgtEl>
+                                        <p:attrNameLst>
+                                          <p:attrName>style.visibility</p:attrName>
+                                        </p:attrNameLst>
+                                      </p:cBhvr>
+                                      <p:to>
+                                        <p:strVal val="visible"/>
+                                      </p:to>
+                                    </p:set>
+                                  </p:childTnLst>
+                                </p:cTn>
+                              </p:par>
+                            </p:childTnLst>
+                          </p:cTn>
+                        </p:par>
+                      </p:childTnLst>
+                    </p:cTn>
+                  </p:par>
+                  <p:par>
+                    <p:cTn id="11" fill="hold">
+                      <p:stCondLst>
+                        <p:cond delay="indefinite"/>
+                      </p:stCondLst>
+                      <p:childTnLst>
+                        <p:par>
+                          <p:cTn id="12" fill="hold">
+                            <p:stCondLst>
+                              <p:cond delay="0"/>
+                            </p:stCondLst>
+                            <p:childTnLst>
+                              <p:par>
+                                <p:cTn id="13" presetID="1" presetClass="entr" presetSubtype="0" fill="hold" nodeType="clickEffect">
+                                  <p:stCondLst>
+                                    <p:cond delay="0"/>
+                                  </p:stCondLst>
+                                  <p:childTnLst>
+                                    <p:set>
+                                      <p:cBhvr>
+                                        <p:cTn id="14" dur="1" fill="hold">
+                                          <p:stCondLst>
+                                            <p:cond delay="0"/>
+                                          </p:stCondLst>
+                                        </p:cTn>
+                                        <p:tgtEl>
+                                          <p:spTgt spid="3">
+                                            <p:txEl>
+                                              <p:pRg st="4" end="4"/>
+                                            </p:txEl>
+                                          </p:spTgt>
+                                        </p:tgtEl>
+                                        <p:attrNameLst>
+                                          <p:attrName>style.visibility</p:attrName>
+                                        </p:attrNameLst>
+                                      </p:cBhvr>
+                                      <p:to>
+                                        <p:strVal val="visible"/>
+                                      </p:to>
+                                    </p:set>
+                                  </p:childTnLst>
+                                </p:cTn>
+                              </p:par>
+                            </p:childTnLst>
+                          </p:cTn>
+                        </p:par>
+                      </p:childTnLst>
+                    </p:cTn>
+                  </p:par>
+                  <p:par>
+                    <p:cTn id="15" fill="hold">
+                      <p:stCondLst>
+                        <p:cond delay="indefinite"/>
+                      </p:stCondLst>
+                      <p:childTnLst>
+                        <p:par>
+                          <p:cTn id="16" fill="hold">
+                            <p:stCondLst>
+                              <p:cond delay="0"/>
+                            </p:stCondLst>
+                            <p:childTnLst>
+                              <p:par>
+                                <p:cTn id="17" presetID="1" presetClass="entr" presetSubtype="0" fill="hold" nodeType="clickEffect">
+                                  <p:stCondLst>
+                                    <p:cond delay="0"/>
+                                  </p:stCondLst>
+                                  <p:childTnLst>
+                                    <p:set>
+                                      <p:cBhvr>
+                                        <p:cTn id="18" dur="1" fill="hold">
+                                          <p:stCondLst>
+                                            <p:cond delay="0"/>
+                                          </p:stCondLst>
+                                        </p:cTn>
+                                        <p:tgtEl>
+                                          <p:spTgt spid="3">
+                                            <p:txEl>
+                                              <p:pRg st="5" end="5"/>
+                                            </p:txEl>
+                                          </p:spTgt>
+                                        </p:tgtEl>
+                                        <p:attrNameLst>
+                                          <p:attrName>style.visibility</p:attrName>
+                                        </p:attrNameLst>
+                                      </p:cBhvr>
+                                      <p:to>
+                                        <p:strVal val="visible"/>
+                                      </p:to>
+                                    </p:set>
+                                  </p:childTnLst>
+                                </p:cTn>
+                              </p:par>
+                            </p:childTnLst>
+                          </p:cTn>
+                        </p:par>
+                      </p:childTnLst>
+                    </p:cTn>
+                  </p:par>
+                </p:childTnLst>
+              </p:cTn>
+              <p:prevCondLst>
+                <p:cond evt="onPrev" delay="0">
+                  <p:tgtEl>
+                    <p:sldTgt/>
+                  </p:tgtEl>
+                </p:cond>
+              </p:prevCondLst>
+              <p:nextCondLst>
+                <p:cond evt="onNext" delay="0">
+                  <p:tgtEl>
+                    <p:sldTgt/>
+                  </p:tgtEl>
+                </p:cond>
+              </p:nextCondLst>
+            </p:seq>
+          </p:childTnLst>
+        </p:cTn>
+      </p:par>
+    </p:tnLst>
+  </p:timing>
+</p:sld>
+</file>
+
+<file path=ppt/slides/slide4.xml><?xml version="1.0" encoding="utf-8"?>
+<p:sld xmlns:a="http://schemas.openxmlformats.org/drawingml/2006/main" xmlns:r="http://schemas.openxmlformats.org/officeDocument/2006/relationships" xmlns:p="http://schemas.openxmlformats.org/presentationml/2006/main">
+  <p:cSld>
+    <p:spTree>
+      <p:nvGrpSpPr>
+        <p:cNvPr id="1" name=""/>
+        <p:cNvGrpSpPr/>
+        <p:nvPr/>
+      </p:nvGrpSpPr>
+      <p:grpSpPr>
+        <a:xfrm>
+          <a:off x="0" y="0"/>
+          <a:ext cx="0" cy="0"/>
+          <a:chOff x="0" y="0"/>
+          <a:chExt cx="0" cy="0"/>
+        </a:xfrm>
+      </p:grpSpPr>
+      <p:sp>
+        <p:nvSpPr>
+          <p:cNvPr id="2" name="Title 1">
+            <a:extLst>
+              <a:ext uri="{FF2B5EF4-FFF2-40B4-BE49-F238E27FC236}">
+                <a16:creationId xmlns:a16="http://schemas.microsoft.com/office/drawing/2014/main" id="{A0F372F0-CAE5-4806-A833-C25B72A46EE6}"/>
+              </a:ext>
+            </a:extLst>
+          </p:cNvPr>
+          <p:cNvSpPr>
+            <a:spLocks noGrp="1"/>
+          </p:cNvSpPr>
+          <p:nvPr>
+            <p:ph type="title"/>
+          </p:nvPr>
+        </p:nvSpPr>
+        <p:spPr/>
+        <p:txBody>
+          <a:bodyPr/>
+          <a:lstStyle/>
+          <a:p>
+            <a:r>
+              <a:rPr lang="en-US" b="1" dirty="0">
+                <a:latin typeface="Arial" panose="020B0604020202020204" pitchFamily="34" charset="0"/>
+                <a:cs typeface="Arial" panose="020B0604020202020204" pitchFamily="34" charset="0"/>
+              </a:rPr>
+              <a:t>JRE</a:t>
+            </a:r>
+          </a:p>
+        </p:txBody>
+      </p:sp>
+      <p:sp>
+        <p:nvSpPr>
+          <p:cNvPr id="3" name="Content Placeholder 2">
+            <a:extLst>
+              <a:ext uri="{FF2B5EF4-FFF2-40B4-BE49-F238E27FC236}">
+                <a16:creationId xmlns:a16="http://schemas.microsoft.com/office/drawing/2014/main" id="{A5F52EA6-5A49-4A41-AB07-53C1C6DD6422}"/>
+              </a:ext>
+            </a:extLst>
+          </p:cNvPr>
+          <p:cNvSpPr>
+            <a:spLocks noGrp="1"/>
+          </p:cNvSpPr>
+          <p:nvPr>
+            <p:ph idx="1"/>
+          </p:nvPr>
+        </p:nvSpPr>
+        <p:spPr/>
+        <p:txBody>
+          <a:bodyPr>
+            <a:normAutofit/>
+          </a:bodyPr>
+          <a:lstStyle/>
+          <a:p>
+            <a:pPr marL="0" indent="0">
+              <a:buNone/>
+            </a:pPr>
+            <a:r>
+              <a:rPr lang="en-US" sz="2400" dirty="0">
+                <a:solidFill>
+                  <a:srgbClr val="212121"/>
+                </a:solidFill>
+                <a:effectLst/>
+                <a:latin typeface="Arial" panose="020B0604020202020204" pitchFamily="34" charset="0"/>
+                <a:ea typeface="Calibri" panose="020F0502020204030204" pitchFamily="34" charset="0"/>
+                <a:cs typeface="Arial" panose="020B0604020202020204" pitchFamily="34" charset="0"/>
+              </a:rPr>
+              <a:t>The Java Runtime Environment (JRE) is a software package which bundles the libraries (jars) and the Java Virtual Machine To run applications written in java</a:t>
+            </a:r>
+          </a:p>
+          <a:p>
+            <a:pPr marL="0" indent="0">
+              <a:buNone/>
+            </a:pPr>
+            <a:endParaRPr lang="en-US" sz="2400" dirty="0">
+              <a:solidFill>
+                <a:srgbClr val="212121"/>
+              </a:solidFill>
+              <a:latin typeface="Arial" panose="020B0604020202020204" pitchFamily="34" charset="0"/>
+              <a:cs typeface="Arial" panose="020B0604020202020204" pitchFamily="34" charset="0"/>
+            </a:endParaRPr>
+          </a:p>
+          <a:p>
+            <a:pPr marL="0" indent="0">
+              <a:buNone/>
+            </a:pPr>
+            <a:r>
+              <a:rPr lang="en-US" sz="2400" dirty="0">
+                <a:solidFill>
+                  <a:srgbClr val="212121"/>
+                </a:solidFill>
+                <a:latin typeface="Arial" panose="020B0604020202020204" pitchFamily="34" charset="0"/>
+                <a:cs typeface="Arial" panose="020B0604020202020204" pitchFamily="34" charset="0"/>
+              </a:rPr>
+              <a:t>With out JRE we can not run the Java program</a:t>
+            </a:r>
+            <a:endParaRPr lang="en-US" sz="2400" dirty="0">
+              <a:latin typeface="Arial" panose="020B0604020202020204" pitchFamily="34" charset="0"/>
+              <a:cs typeface="Arial" panose="020B0604020202020204" pitchFamily="34" charset="0"/>
+            </a:endParaRPr>
+          </a:p>
+        </p:txBody>
+      </p:sp>
+    </p:spTree>
+    <p:extLst>
+      <p:ext uri="{BB962C8B-B14F-4D97-AF65-F5344CB8AC3E}">
+        <p14:creationId xmlns:p14="http://schemas.microsoft.com/office/powerpoint/2010/main" val="3026729218"/>
+      </p:ext>
+    </p:extLst>
+  </p:cSld>
+  <p:clrMapOvr>
+    <a:masterClrMapping/>
+  </p:clrMapOvr>
+  <p:timing>
+    <p:tnLst>
+      <p:par>
+        <p:cTn id="1" dur="indefinite" restart="never" nodeType="tmRoot">
+          <p:childTnLst>
+            <p:seq concurrent="1" nextAc="seek">
+              <p:cTn id="2" dur="indefinite" nodeType="mainSeq">
+                <p:childTnLst>
+                  <p:par>
+                    <p:cTn id="3" fill="hold">
+                      <p:stCondLst>
+                        <p:cond delay="indefinite"/>
+                      </p:stCondLst>
+                      <p:childTnLst>
+                        <p:par>
+                          <p:cTn id="4" fill="hold">
+                            <p:stCondLst>
+                              <p:cond delay="0"/>
+                            </p:stCondLst>
+                            <p:childTnLst>
+                              <p:par>
+                                <p:cTn id="5" presetID="1" presetClass="entr" presetSubtype="0" fill="hold" nodeType="clickEffect">
+                                  <p:stCondLst>
+                                    <p:cond delay="0"/>
+                                  </p:stCondLst>
+                                  <p:childTnLst>
+                                    <p:set>
+                                      <p:cBhvr>
+                                        <p:cTn id="6" dur="1" fill="hold">
+                                          <p:stCondLst>
+                                            <p:cond delay="0"/>
+                                          </p:stCondLst>
+                                        </p:cTn>
+                                        <p:tgtEl>
+                                          <p:spTgt spid="3">
+                                            <p:txEl>
+                                              <p:pRg st="0" end="0"/>
+                                            </p:txEl>
+                                          </p:spTgt>
+                                        </p:tgtEl>
+                                        <p:attrNameLst>
+                                          <p:attrName>style.visibility</p:attrName>
+                                        </p:attrNameLst>
+                                      </p:cBhvr>
+                                      <p:to>
+                                        <p:strVal val="visible"/>
+                                      </p:to>
+                                    </p:set>
+                                  </p:childTnLst>
+                                </p:cTn>
+                              </p:par>
+                            </p:childTnLst>
+                          </p:cTn>
+                        </p:par>
+                      </p:childTnLst>
+                    </p:cTn>
+                  </p:par>
+                  <p:par>
+                    <p:cTn id="7" fill="hold">
+                      <p:stCondLst>
+                        <p:cond delay="indefinite"/>
+                      </p:stCondLst>
+                      <p:childTnLst>
+                        <p:par>
+                          <p:cTn id="8" fill="hold">
+                            <p:stCondLst>
+                              <p:cond delay="0"/>
+                            </p:stCondLst>
+                            <p:childTnLst>
+                              <p:par>
+                                <p:cTn id="9" presetID="1" presetClass="entr" presetSubtype="0" fill="hold" nodeType="clickEffect">
+                                  <p:stCondLst>
+                                    <p:cond delay="0"/>
+                                  </p:stCondLst>
+                                  <p:childTnLst>
+                                    <p:set>
+                                      <p:cBhvr>
+                                        <p:cTn id="10" dur="1" fill="hold">
+                                          <p:stCondLst>
+                                            <p:cond delay="0"/>
+                                          </p:stCondLst>
+                                        </p:cTn>
+                                        <p:tgtEl>
+                                          <p:spTgt spid="3">
+                                            <p:txEl>
+                                              <p:pRg st="2" end="2"/>
+                                            </p:txEl>
+                                          </p:spTgt>
+                                        </p:tgtEl>
+                                        <p:attrNameLst>
+                                          <p:attrName>style.visibility</p:attrName>
+                                        </p:attrNameLst>
+                                      </p:cBhvr>
+                                      <p:to>
+                                        <p:strVal val="visible"/>
+                                      </p:to>
+                                    </p:set>
+                                  </p:childTnLst>
+                                </p:cTn>
+                              </p:par>
+                            </p:childTnLst>
+                          </p:cTn>
+                        </p:par>
+                      </p:childTnLst>
+                    </p:cTn>
+                  </p:par>
+                </p:childTnLst>
+              </p:cTn>
+              <p:prevCondLst>
+                <p:cond evt="onPrev" delay="0">
+                  <p:tgtEl>
+                    <p:sldTgt/>
+                  </p:tgtEl>
+                </p:cond>
+              </p:prevCondLst>
+              <p:nextCondLst>
+                <p:cond evt="onNext" delay="0">
+                  <p:tgtEl>
+                    <p:sldTgt/>
+                  </p:tgtEl>
+                </p:cond>
+              </p:nextCondLst>
+            </p:seq>
+          </p:childTnLst>
+        </p:cTn>
+      </p:par>
+    </p:tnLst>
+  </p:timing>
+</p:sld>
+</file>
+
+<file path=ppt/slides/slide5.xml><?xml version="1.0" encoding="utf-8"?>
+<p:sld xmlns:a="http://schemas.openxmlformats.org/drawingml/2006/main" xmlns:r="http://schemas.openxmlformats.org/officeDocument/2006/relationships" xmlns:p="http://schemas.openxmlformats.org/presentationml/2006/main">
+  <p:cSld>
+    <p:spTree>
+      <p:nvGrpSpPr>
+        <p:cNvPr id="1" name=""/>
+        <p:cNvGrpSpPr/>
+        <p:nvPr/>
+      </p:nvGrpSpPr>
+      <p:grpSpPr>
+        <a:xfrm>
+          <a:off x="0" y="0"/>
+          <a:ext cx="0" cy="0"/>
+          <a:chOff x="0" y="0"/>
+          <a:chExt cx="0" cy="0"/>
+        </a:xfrm>
+      </p:grpSpPr>
+      <p:sp>
+        <p:nvSpPr>
+          <p:cNvPr id="2" name="Title 1">
+            <a:extLst>
+              <a:ext uri="{FF2B5EF4-FFF2-40B4-BE49-F238E27FC236}">
+                <a16:creationId xmlns:a16="http://schemas.microsoft.com/office/drawing/2014/main" id="{143FE9C0-423A-4EEA-B4BD-6ADBE8735E34}"/>
+              </a:ext>
+            </a:extLst>
+          </p:cNvPr>
+          <p:cNvSpPr>
+            <a:spLocks noGrp="1"/>
+          </p:cNvSpPr>
+          <p:nvPr>
+            <p:ph type="title"/>
+          </p:nvPr>
+        </p:nvSpPr>
+        <p:spPr/>
+        <p:txBody>
+          <a:bodyPr/>
+          <a:lstStyle/>
+          <a:p>
+            <a:r>
+              <a:rPr lang="en-US" b="1" dirty="0">
+                <a:latin typeface="Arial" panose="020B0604020202020204" pitchFamily="34" charset="0"/>
+                <a:cs typeface="Arial" panose="020B0604020202020204" pitchFamily="34" charset="0"/>
+              </a:rPr>
+              <a:t>JDK</a:t>
+            </a:r>
+          </a:p>
+        </p:txBody>
+      </p:sp>
+      <p:sp>
+        <p:nvSpPr>
+          <p:cNvPr id="3" name="Content Placeholder 2">
+            <a:extLst>
+              <a:ext uri="{FF2B5EF4-FFF2-40B4-BE49-F238E27FC236}">
+                <a16:creationId xmlns:a16="http://schemas.microsoft.com/office/drawing/2014/main" id="{A468BB1B-517D-4ED9-AB64-7E0A791D57BB}"/>
+              </a:ext>
+            </a:extLst>
+          </p:cNvPr>
+          <p:cNvSpPr>
+            <a:spLocks noGrp="1"/>
+          </p:cNvSpPr>
+          <p:nvPr>
+            <p:ph idx="1"/>
+          </p:nvPr>
+        </p:nvSpPr>
+        <p:spPr/>
+        <p:txBody>
+          <a:bodyPr>
+            <a:normAutofit/>
+          </a:bodyPr>
+          <a:lstStyle/>
+          <a:p>
+            <a:pPr marL="0" indent="0">
+              <a:buNone/>
+            </a:pPr>
+            <a:r>
+              <a:rPr lang="en-US" b="1" dirty="0">
+                <a:latin typeface="Arial" panose="020B0604020202020204" pitchFamily="34" charset="0"/>
+                <a:cs typeface="Arial" panose="020B0604020202020204" pitchFamily="34" charset="0"/>
+              </a:rPr>
+              <a:t>Development Tools</a:t>
+            </a:r>
+          </a:p>
+          <a:p>
+            <a:pPr marL="0" indent="0">
+              <a:buNone/>
+            </a:pPr>
+            <a:r>
+              <a:rPr lang="en-US" sz="2400" dirty="0">
+                <a:solidFill>
+                  <a:srgbClr val="212121"/>
+                </a:solidFill>
+                <a:latin typeface="Arial" panose="020B0604020202020204" pitchFamily="34" charset="0"/>
+                <a:ea typeface="Calibri" panose="020F0502020204030204" pitchFamily="34" charset="0"/>
+                <a:cs typeface="Arial" panose="020B0604020202020204" pitchFamily="34" charset="0"/>
+              </a:rPr>
+              <a:t>D</a:t>
+            </a:r>
+            <a:r>
+              <a:rPr lang="en-US" sz="2400" dirty="0">
+                <a:solidFill>
+                  <a:srgbClr val="212121"/>
+                </a:solidFill>
+                <a:effectLst/>
+                <a:latin typeface="Arial" panose="020B0604020202020204" pitchFamily="34" charset="0"/>
+                <a:ea typeface="Calibri" panose="020F0502020204030204" pitchFamily="34" charset="0"/>
+                <a:cs typeface="Arial" panose="020B0604020202020204" pitchFamily="34" charset="0"/>
+              </a:rPr>
+              <a:t>evelopment tools are used for  developing, debugging, and monitoring Java applications. </a:t>
+            </a:r>
+          </a:p>
+          <a:p>
+            <a:pPr marL="0" indent="0">
+              <a:buNone/>
+            </a:pPr>
+            <a:endParaRPr lang="en-US" sz="2400" dirty="0">
+              <a:latin typeface="Arial" panose="020B0604020202020204" pitchFamily="34" charset="0"/>
+              <a:cs typeface="Arial" panose="020B0604020202020204" pitchFamily="34" charset="0"/>
+            </a:endParaRPr>
+          </a:p>
+          <a:p>
+            <a:pPr marL="0" indent="0">
+              <a:buNone/>
+            </a:pPr>
+            <a:r>
+              <a:rPr lang="en-US" sz="2400" dirty="0">
+                <a:latin typeface="Arial" panose="020B0604020202020204" pitchFamily="34" charset="0"/>
+                <a:cs typeface="Arial" panose="020B0604020202020204" pitchFamily="34" charset="0"/>
+              </a:rPr>
+              <a:t>Compiler, Jar creation are some of tools.</a:t>
+            </a:r>
+          </a:p>
+        </p:txBody>
+      </p:sp>
+    </p:spTree>
+    <p:extLst>
+      <p:ext uri="{BB962C8B-B14F-4D97-AF65-F5344CB8AC3E}">
+        <p14:creationId xmlns:p14="http://schemas.microsoft.com/office/powerpoint/2010/main" val="2039363355"/>
+      </p:ext>
+    </p:extLst>
+  </p:cSld>
+  <p:clrMapOvr>
+    <a:masterClrMapping/>
+  </p:clrMapOvr>
+  <p:timing>
+    <p:tnLst>
+      <p:par>
+        <p:cTn id="1" dur="indefinite" restart="never" nodeType="tmRoot">
+          <p:childTnLst>
+            <p:seq concurrent="1" nextAc="seek">
+              <p:cTn id="2" dur="indefinite" nodeType="mainSeq">
+                <p:childTnLst>
+                  <p:par>
+                    <p:cTn id="3" fill="hold">
+                      <p:stCondLst>
+                        <p:cond delay="indefinite"/>
+                      </p:stCondLst>
+                      <p:childTnLst>
+                        <p:par>
+                          <p:cTn id="4" fill="hold">
+                            <p:stCondLst>
+                              <p:cond delay="0"/>
+                            </p:stCondLst>
+                            <p:childTnLst>
+                              <p:par>
+                                <p:cTn id="5" presetID="1" presetClass="entr" presetSubtype="0" fill="hold" nodeType="clickEffect">
+                                  <p:stCondLst>
+                                    <p:cond delay="0"/>
+                                  </p:stCondLst>
+                                  <p:childTnLst>
+                                    <p:set>
+                                      <p:cBhvr>
+                                        <p:cTn id="6" dur="1" fill="hold">
+                                          <p:stCondLst>
+                                            <p:cond delay="0"/>
+                                          </p:stCondLst>
+                                        </p:cTn>
+                                        <p:tgtEl>
+                                          <p:spTgt spid="3">
+                                            <p:txEl>
+                                              <p:pRg st="0" end="0"/>
+                                            </p:txEl>
+                                          </p:spTgt>
+                                        </p:tgtEl>
+                                        <p:attrNameLst>
+                                          <p:attrName>style.visibility</p:attrName>
+                                        </p:attrNameLst>
+                                      </p:cBhvr>
+                                      <p:to>
+                                        <p:strVal val="visible"/>
+                                      </p:to>
+                                    </p:set>
+                                  </p:childTnLst>
+                                </p:cTn>
+                              </p:par>
+                              <p:par>
+                                <p:cTn id="7" presetID="1" presetClass="entr" presetSubtype="0" fill="hold" nodeType="withEffect">
+                                  <p:stCondLst>
+                                    <p:cond delay="0"/>
+                                  </p:stCondLst>
+                                  <p:childTnLst>
+                                    <p:set>
+                                      <p:cBhvr>
+                                        <p:cTn id="8" dur="1" fill="hold">
+                                          <p:stCondLst>
+                                            <p:cond delay="0"/>
+                                          </p:stCondLst>
+                                        </p:cTn>
+                                        <p:tgtEl>
+                                          <p:spTgt spid="3">
+                                            <p:txEl>
+                                              <p:pRg st="1" end="1"/>
+                                            </p:txEl>
+                                          </p:spTgt>
+                                        </p:tgtEl>
+                                        <p:attrNameLst>
+                                          <p:attrName>style.visibility</p:attrName>
+                                        </p:attrNameLst>
+                                      </p:cBhvr>
+                                      <p:to>
+                                        <p:strVal val="visible"/>
+                                      </p:to>
+                                    </p:set>
+                                  </p:childTnLst>
+                                </p:cTn>
+                              </p:par>
+                              <p:par>
+                                <p:cTn id="9" presetID="1" presetClass="entr" presetSubtype="0" fill="hold" nodeType="withEffect">
+                                  <p:stCondLst>
+                                    <p:cond delay="0"/>
+                                  </p:stCondLst>
+                                  <p:childTnLst>
+                                    <p:set>
+                                      <p:cBhvr>
+                                        <p:cTn id="10" dur="1" fill="hold">
+                                          <p:stCondLst>
+                                            <p:cond delay="0"/>
+                                          </p:stCondLst>
+                                        </p:cTn>
+                                        <p:tgtEl>
+                                          <p:spTgt spid="3">
+                                            <p:txEl>
+                                              <p:pRg st="3" end="3"/>
+                                            </p:txEl>
+                                          </p:spTgt>
+                                        </p:tgtEl>
+                                        <p:attrNameLst>
+                                          <p:attrName>style.visibility</p:attrName>
+                                        </p:attrNameLst>
+                                      </p:cBhvr>
+                                      <p:to>
+                                        <p:strVal val="visible"/>
+                                      </p:to>
+                                    </p:set>
+                                  </p:childTnLst>
+                                </p:cTn>
+                              </p:par>
+                            </p:childTnLst>
+                          </p:cTn>
+                        </p:par>
+                      </p:childTnLst>
+                    </p:cTn>
+                  </p:par>
+                </p:childTnLst>
+              </p:cTn>
+              <p:prevCondLst>
+                <p:cond evt="onPrev" delay="0">
+                  <p:tgtEl>
+                    <p:sldTgt/>
+                  </p:tgtEl>
+                </p:cond>
+              </p:prevCondLst>
+              <p:nextCondLst>
+                <p:cond evt="onNext" delay="0">
+                  <p:tgtEl>
+                    <p:sldTgt/>
+                  </p:tgtEl>
+                </p:cond>
+              </p:nextCondLst>
+            </p:seq>
+          </p:childTnLst>
+        </p:cTn>
+      </p:par>
+    </p:tnLst>
+  </p:timing>
+</p:sld>
+</file>
+
+<file path=ppt/slides/slide6.xml><?xml version="1.0" encoding="utf-8"?>
+<p:sld xmlns:a="http://schemas.openxmlformats.org/drawingml/2006/main" xmlns:r="http://schemas.openxmlformats.org/officeDocument/2006/relationships" xmlns:p="http://schemas.openxmlformats.org/presentationml/2006/main">
+  <p:cSld>
+    <p:spTree>
+      <p:nvGrpSpPr>
+        <p:cNvPr id="1" name=""/>
+        <p:cNvGrpSpPr/>
+        <p:nvPr/>
+      </p:nvGrpSpPr>
+      <p:grpSpPr>
+        <a:xfrm>
+          <a:off x="0" y="0"/>
+          <a:ext cx="0" cy="0"/>
+          <a:chOff x="0" y="0"/>
+          <a:chExt cx="0" cy="0"/>
+        </a:xfrm>
+      </p:grpSpPr>
+      <p:sp>
+        <p:nvSpPr>
+          <p:cNvPr id="2" name="Title 1">
+            <a:extLst>
+              <a:ext uri="{FF2B5EF4-FFF2-40B4-BE49-F238E27FC236}">
+                <a16:creationId xmlns:a16="http://schemas.microsoft.com/office/drawing/2014/main" id="{CE213DD0-64D0-42F4-B73F-C515372E23DB}"/>
+              </a:ext>
+            </a:extLst>
+          </p:cNvPr>
+          <p:cNvSpPr>
+            <a:spLocks noGrp="1"/>
+          </p:cNvSpPr>
+          <p:nvPr>
+            <p:ph type="title"/>
+          </p:nvPr>
+        </p:nvSpPr>
+        <p:spPr/>
+        <p:txBody>
+          <a:bodyPr/>
+          <a:lstStyle/>
+          <a:p>
+            <a:endParaRPr lang="en-US"/>
+          </a:p>
+        </p:txBody>
+      </p:sp>
+      <p:sp>
+        <p:nvSpPr>
+          <p:cNvPr id="3" name="Content Placeholder 2">
+            <a:extLst>
+              <a:ext uri="{FF2B5EF4-FFF2-40B4-BE49-F238E27FC236}">
+                <a16:creationId xmlns:a16="http://schemas.microsoft.com/office/drawing/2014/main" id="{DE9D4460-0F49-490F-B38A-6A54F47EFE3E}"/>
+              </a:ext>
+            </a:extLst>
+          </p:cNvPr>
+          <p:cNvSpPr>
+            <a:spLocks noGrp="1"/>
+          </p:cNvSpPr>
+          <p:nvPr>
+            <p:ph idx="1"/>
+          </p:nvPr>
+        </p:nvSpPr>
+        <p:spPr/>
+        <p:txBody>
+          <a:bodyPr/>
+          <a:lstStyle/>
+          <a:p>
+            <a:endParaRPr lang="en-US"/>
+          </a:p>
+        </p:txBody>
+      </p:sp>
+    </p:spTree>
+    <p:extLst>
+      <p:ext uri="{BB962C8B-B14F-4D97-AF65-F5344CB8AC3E}">
+        <p14:creationId xmlns:p14="http://schemas.microsoft.com/office/powerpoint/2010/main" val="2123787017"/>
+      </p:ext>
+    </p:extLst>
+  </p:cSld>
+  <p:clrMapOvr>
+    <a:masterClrMapping/>
+  </p:clrMapOvr>
+</p:sld>
+</file>
+
+<file path=ppt/slides/slide7.xml><?xml version="1.0" encoding="utf-8"?>
+<p:sld xmlns:a="http://schemas.openxmlformats.org/drawingml/2006/main" xmlns:r="http://schemas.openxmlformats.org/officeDocument/2006/relationships" xmlns:p="http://schemas.openxmlformats.org/presentationml/2006/main">
+  <p:cSld>
+    <p:spTree>
+      <p:nvGrpSpPr>
+        <p:cNvPr id="1" name=""/>
+        <p:cNvGrpSpPr/>
+        <p:nvPr/>
+      </p:nvGrpSpPr>
+      <p:grpSpPr>
+        <a:xfrm>
+          <a:off x="0" y="0"/>
+          <a:ext cx="0" cy="0"/>
+          <a:chOff x="0" y="0"/>
+          <a:chExt cx="0" cy="0"/>
+        </a:xfrm>
+      </p:grpSpPr>
+      <p:sp>
+        <p:nvSpPr>
+          <p:cNvPr id="2" name="Title 1">
+            <a:extLst>
+              <a:ext uri="{FF2B5EF4-FFF2-40B4-BE49-F238E27FC236}">
+                <a16:creationId xmlns:a16="http://schemas.microsoft.com/office/drawing/2014/main" id="{5892E938-3226-4438-A31C-45978829C839}"/>
+              </a:ext>
+            </a:extLst>
+          </p:cNvPr>
+          <p:cNvSpPr>
+            <a:spLocks noGrp="1"/>
+          </p:cNvSpPr>
+          <p:nvPr>
+            <p:ph type="title"/>
+          </p:nvPr>
+        </p:nvSpPr>
+        <p:spPr>
+          <a:xfrm>
+            <a:off x="838200" y="2648164"/>
+            <a:ext cx="10515600" cy="1325563"/>
+          </a:xfrm>
+        </p:spPr>
+        <p:txBody>
+          <a:bodyPr/>
+          <a:lstStyle/>
+          <a:p>
+            <a:pPr algn="ctr"/>
+            <a:r>
+              <a:rPr lang="en-US" dirty="0"/>
+              <a:t>JVM Architecture</a:t>
+            </a:r>
+          </a:p>
+        </p:txBody>
+      </p:sp>
+    </p:spTree>
+    <p:extLst>
+      <p:ext uri="{BB962C8B-B14F-4D97-AF65-F5344CB8AC3E}">
+        <p14:creationId xmlns:p14="http://schemas.microsoft.com/office/powerpoint/2010/main" val="3441651601"/>
+      </p:ext>
+    </p:extLst>
+  </p:cSld>
+  <p:clrMapOvr>
+    <a:masterClrMapping/>
+  </p:clrMapOvr>
+</p:sld>
+</file>
+
+<file path=ppt/slides/slide8.xml><?xml version="1.0" encoding="utf-8"?>
+<p:sld xmlns:a="http://schemas.openxmlformats.org/drawingml/2006/main" xmlns:r="http://schemas.openxmlformats.org/officeDocument/2006/relationships" xmlns:p="http://schemas.openxmlformats.org/presentationml/2006/main">
+  <p:cSld>
+    <p:spTree>
+      <p:nvGrpSpPr>
+        <p:cNvPr id="1" name=""/>
+        <p:cNvGrpSpPr/>
+        <p:nvPr/>
+      </p:nvGrpSpPr>
+      <p:grpSpPr>
+        <a:xfrm>
+          <a:off x="0" y="0"/>
+          <a:ext cx="0" cy="0"/>
+          <a:chOff x="0" y="0"/>
+          <a:chExt cx="0" cy="0"/>
+        </a:xfrm>
+      </p:grpSpPr>
+      <p:sp>
+        <p:nvSpPr>
+          <p:cNvPr id="2" name="Title 1">
+            <a:extLst>
+              <a:ext uri="{FF2B5EF4-FFF2-40B4-BE49-F238E27FC236}">
+                <a16:creationId xmlns:a16="http://schemas.microsoft.com/office/drawing/2014/main" id="{ACE9844D-C3B3-489C-B4DB-237C98E39E1E}"/>
+              </a:ext>
+            </a:extLst>
+          </p:cNvPr>
+          <p:cNvSpPr>
+            <a:spLocks noGrp="1"/>
+          </p:cNvSpPr>
+          <p:nvPr>
+            <p:ph type="title"/>
+          </p:nvPr>
+        </p:nvSpPr>
+        <p:spPr/>
+        <p:txBody>
+          <a:bodyPr/>
+          <a:lstStyle/>
+          <a:p>
+            <a:r>
+              <a:rPr lang="en-US" dirty="0"/>
+              <a:t>JVM Architecture</a:t>
+            </a:r>
+          </a:p>
+        </p:txBody>
+      </p:sp>
+      <p:pic>
+        <p:nvPicPr>
+          <p:cNvPr id="5" name="Content Placeholder 4">
+            <a:extLst>
+              <a:ext uri="{FF2B5EF4-FFF2-40B4-BE49-F238E27FC236}">
+                <a16:creationId xmlns:a16="http://schemas.microsoft.com/office/drawing/2014/main" id="{34B6D422-F4D5-4F23-8149-5FD528BF0796}"/>
+              </a:ext>
+            </a:extLst>
+          </p:cNvPr>
+          <p:cNvPicPr>
+            <a:picLocks noGrp="1" noChangeAspect="1"/>
+          </p:cNvPicPr>
+          <p:nvPr>
+            <p:ph idx="1"/>
+          </p:nvPr>
+        </p:nvPicPr>
+        <p:blipFill>
+          <a:blip r:embed="rId2"/>
+          <a:stretch>
+            <a:fillRect/>
+          </a:stretch>
+        </p:blipFill>
+        <p:spPr>
+          <a:xfrm>
+            <a:off x="838200" y="1948480"/>
+            <a:ext cx="10515600" cy="4105627"/>
+          </a:xfrm>
+        </p:spPr>
+      </p:pic>
+    </p:spTree>
+    <p:extLst>
+      <p:ext uri="{BB962C8B-B14F-4D97-AF65-F5344CB8AC3E}">
+        <p14:creationId xmlns:p14="http://schemas.microsoft.com/office/powerpoint/2010/main" val="307350088"/>
+      </p:ext>
+    </p:extLst>
+  </p:cSld>
+  <p:clrMapOvr>
+    <a:masterClrMapping/>
+  </p:clrMapOvr>
+</p:sld>
+</file>
+
+<file path=ppt/slides/slide9.xml><?xml version="1.0" encoding="utf-8"?>
+<p:sld xmlns:a="http://schemas.openxmlformats.org/drawingml/2006/main" xmlns:r="http://schemas.openxmlformats.org/officeDocument/2006/relationships" xmlns:p="http://schemas.openxmlformats.org/presentationml/2006/main">
+  <p:cSld>
+    <p:spTree>
+      <p:nvGrpSpPr>
+        <p:cNvPr id="1" name=""/>
+        <p:cNvGrpSpPr/>
+        <p:nvPr/>
+      </p:nvGrpSpPr>
+      <p:grpSpPr>
+        <a:xfrm>
+          <a:off x="0" y="0"/>
+          <a:ext cx="0" cy="0"/>
+          <a:chOff x="0" y="0"/>
+          <a:chExt cx="0" cy="0"/>
+        </a:xfrm>
+      </p:grpSpPr>
+      <p:sp>
+        <p:nvSpPr>
+          <p:cNvPr id="2" name="Title 1">
+            <a:extLst>
+              <a:ext uri="{FF2B5EF4-FFF2-40B4-BE49-F238E27FC236}">
+                <a16:creationId xmlns:a16="http://schemas.microsoft.com/office/drawing/2014/main" id="{C0D1BA22-DC88-4EEA-904E-C7AA86D31023}"/>
+              </a:ext>
+            </a:extLst>
+          </p:cNvPr>
+          <p:cNvSpPr>
+            <a:spLocks noGrp="1"/>
+          </p:cNvSpPr>
+          <p:nvPr>
+            <p:ph type="title"/>
+          </p:nvPr>
+        </p:nvSpPr>
+        <p:spPr/>
+        <p:txBody>
+          <a:bodyPr/>
+          <a:lstStyle/>
+          <a:p>
+            <a:r>
+              <a:rPr lang="en-US" dirty="0">
+                <a:latin typeface="Arial" panose="020B0604020202020204" pitchFamily="34" charset="0"/>
+                <a:cs typeface="Arial" panose="020B0604020202020204" pitchFamily="34" charset="0"/>
+              </a:rPr>
+              <a:t>Class Loader</a:t>
+            </a:r>
+          </a:p>
+        </p:txBody>
+      </p:sp>
+      <p:sp>
+        <p:nvSpPr>
+          <p:cNvPr id="3" name="Content Placeholder 2">
+            <a:extLst>
+              <a:ext uri="{FF2B5EF4-FFF2-40B4-BE49-F238E27FC236}">
+                <a16:creationId xmlns:a16="http://schemas.microsoft.com/office/drawing/2014/main" id="{EC320A84-62FB-49AE-A09B-3E2139953535}"/>
+              </a:ext>
+            </a:extLst>
+          </p:cNvPr>
+          <p:cNvSpPr>
+            <a:spLocks noGrp="1"/>
+          </p:cNvSpPr>
+          <p:nvPr>
+            <p:ph idx="1"/>
+          </p:nvPr>
+        </p:nvSpPr>
+        <p:spPr/>
+        <p:txBody>
+          <a:bodyPr>
+            <a:normAutofit/>
+          </a:bodyPr>
+          <a:lstStyle/>
+          <a:p>
+            <a:pPr marL="0" indent="0">
+              <a:buNone/>
+            </a:pPr>
+            <a:r>
+              <a:rPr lang="en-US" sz="2400" dirty="0">
+                <a:solidFill>
+                  <a:srgbClr val="3D3D3D"/>
+                </a:solidFill>
+                <a:effectLst/>
+                <a:latin typeface="Arial" panose="020B0604020202020204" pitchFamily="34" charset="0"/>
+                <a:ea typeface="Calibri" panose="020F0502020204030204" pitchFamily="34" charset="0"/>
+                <a:cs typeface="Arial" panose="020B0604020202020204" pitchFamily="34" charset="0"/>
+              </a:rPr>
+              <a:t>The class loader is used for loading the class files.</a:t>
+            </a:r>
+          </a:p>
+          <a:p>
+            <a:pPr marL="0" indent="0">
+              <a:buNone/>
+            </a:pPr>
+            <a:endParaRPr lang="en-US" sz="2400" dirty="0">
+              <a:solidFill>
+                <a:srgbClr val="3D3D3D"/>
+              </a:solidFill>
+              <a:latin typeface="Arial" panose="020B0604020202020204" pitchFamily="34" charset="0"/>
+              <a:cs typeface="Arial" panose="020B0604020202020204" pitchFamily="34" charset="0"/>
+            </a:endParaRPr>
+          </a:p>
+          <a:p>
+            <a:pPr marL="0" indent="0">
+              <a:buNone/>
+            </a:pPr>
+            <a:r>
+              <a:rPr lang="en-US" sz="2400" dirty="0">
+                <a:solidFill>
+                  <a:srgbClr val="3D3D3D"/>
+                </a:solidFill>
+                <a:latin typeface="Arial" panose="020B0604020202020204" pitchFamily="34" charset="0"/>
+                <a:cs typeface="Arial" panose="020B0604020202020204" pitchFamily="34" charset="0"/>
+              </a:rPr>
+              <a:t>Three Phases of Class loader </a:t>
+            </a:r>
+          </a:p>
+          <a:p>
+            <a:pPr marL="0" indent="0">
+              <a:buNone/>
+            </a:pPr>
+            <a:r>
+              <a:rPr lang="en-US" sz="2400" dirty="0">
+                <a:solidFill>
+                  <a:srgbClr val="3D3D3D"/>
+                </a:solidFill>
+                <a:latin typeface="Arial" panose="020B0604020202020204" pitchFamily="34" charset="0"/>
+                <a:cs typeface="Arial" panose="020B0604020202020204" pitchFamily="34" charset="0"/>
+              </a:rPr>
+              <a:t>Loading </a:t>
+            </a:r>
+          </a:p>
+          <a:p>
+            <a:pPr lvl="1"/>
+            <a:r>
+              <a:rPr lang="en-US" dirty="0" err="1">
+                <a:solidFill>
+                  <a:srgbClr val="3D3D3D"/>
+                </a:solidFill>
+                <a:latin typeface="Arial" panose="020B0604020202020204" pitchFamily="34" charset="0"/>
+                <a:cs typeface="Arial" panose="020B0604020202020204" pitchFamily="34" charset="0"/>
+              </a:rPr>
+              <a:t>BootStrap</a:t>
+            </a:r>
+            <a:endParaRPr lang="en-US" dirty="0">
+              <a:solidFill>
+                <a:srgbClr val="3D3D3D"/>
+              </a:solidFill>
+              <a:latin typeface="Arial" panose="020B0604020202020204" pitchFamily="34" charset="0"/>
+              <a:cs typeface="Arial" panose="020B0604020202020204" pitchFamily="34" charset="0"/>
+            </a:endParaRPr>
+          </a:p>
+          <a:p>
+            <a:pPr lvl="1"/>
+            <a:r>
+              <a:rPr lang="en-US" dirty="0">
+                <a:solidFill>
+                  <a:srgbClr val="3D3D3D"/>
+                </a:solidFill>
+                <a:latin typeface="Arial" panose="020B0604020202020204" pitchFamily="34" charset="0"/>
+                <a:cs typeface="Arial" panose="020B0604020202020204" pitchFamily="34" charset="0"/>
+              </a:rPr>
+              <a:t>Extension</a:t>
+            </a:r>
+          </a:p>
+          <a:p>
+            <a:pPr lvl="1"/>
+            <a:r>
+              <a:rPr lang="en-US" dirty="0">
+                <a:solidFill>
+                  <a:srgbClr val="3D3D3D"/>
+                </a:solidFill>
+                <a:latin typeface="Arial" panose="020B0604020202020204" pitchFamily="34" charset="0"/>
+                <a:cs typeface="Arial" panose="020B0604020202020204" pitchFamily="34" charset="0"/>
+              </a:rPr>
+              <a:t>Application</a:t>
+            </a:r>
+          </a:p>
+          <a:p>
+            <a:pPr marL="457200" lvl="1" indent="0">
+              <a:buNone/>
+            </a:pPr>
+            <a:r>
+              <a:rPr lang="en-US" dirty="0">
+                <a:solidFill>
+                  <a:srgbClr val="3D3D3D"/>
+                </a:solidFill>
+                <a:latin typeface="Arial" panose="020B0604020202020204" pitchFamily="34" charset="0"/>
+                <a:cs typeface="Arial" panose="020B0604020202020204" pitchFamily="34" charset="0"/>
+              </a:rPr>
+              <a:t>If class is not found, then </a:t>
+            </a:r>
+            <a:r>
+              <a:rPr lang="en-US" dirty="0" err="1">
+                <a:solidFill>
+                  <a:srgbClr val="3D3D3D"/>
+                </a:solidFill>
+                <a:latin typeface="Arial" panose="020B0604020202020204" pitchFamily="34" charset="0"/>
+                <a:cs typeface="Arial" panose="020B0604020202020204" pitchFamily="34" charset="0"/>
+              </a:rPr>
+              <a:t>classnotfoundexception</a:t>
+            </a:r>
+            <a:r>
+              <a:rPr lang="en-US" dirty="0">
+                <a:solidFill>
+                  <a:srgbClr val="3D3D3D"/>
+                </a:solidFill>
+                <a:latin typeface="Arial" panose="020B0604020202020204" pitchFamily="34" charset="0"/>
+                <a:cs typeface="Arial" panose="020B0604020202020204" pitchFamily="34" charset="0"/>
+              </a:rPr>
+              <a:t> will be thrown.</a:t>
+            </a:r>
+          </a:p>
+          <a:p>
+            <a:pPr marL="0" indent="0">
+              <a:buNone/>
+            </a:pPr>
+            <a:r>
+              <a:rPr lang="en-US" sz="2400" dirty="0">
+                <a:solidFill>
+                  <a:srgbClr val="3D3D3D"/>
+                </a:solidFill>
+                <a:latin typeface="Arial" panose="020B0604020202020204" pitchFamily="34" charset="0"/>
+                <a:cs typeface="Arial" panose="020B0604020202020204" pitchFamily="34" charset="0"/>
+              </a:rPr>
+              <a:t>Linking </a:t>
+            </a:r>
+          </a:p>
+          <a:p>
+            <a:pPr marL="0" indent="0">
+              <a:buNone/>
+            </a:pPr>
+            <a:r>
+              <a:rPr lang="en-US" sz="2400" dirty="0">
+                <a:solidFill>
+                  <a:srgbClr val="3D3D3D"/>
+                </a:solidFill>
+                <a:latin typeface="Arial" panose="020B0604020202020204" pitchFamily="34" charset="0"/>
+                <a:cs typeface="Arial" panose="020B0604020202020204" pitchFamily="34" charset="0"/>
+              </a:rPr>
+              <a:t>Initialization</a:t>
+            </a:r>
+          </a:p>
+        </p:txBody>
+      </p:sp>
+    </p:spTree>
+    <p:extLst>
+      <p:ext uri="{BB962C8B-B14F-4D97-AF65-F5344CB8AC3E}">
+        <p14:creationId xmlns:p14="http://schemas.microsoft.com/office/powerpoint/2010/main" val="379137729"/>
+      </p:ext>
+    </p:extLst>
+  </p:cSld>
+  <p:clrMapOvr>
+    <a:masterClrMapping/>
+  </p:clrMapOvr>
+  <p:timing>
+    <p:tnLst>
+      <p:par>
+        <p:cTn id="1" dur="indefinite" restart="never" nodeType="tmRoot">
+          <p:childTnLst>
+            <p:seq concurrent="1" nextAc="seek">
+              <p:cTn id="2" dur="indefinite" nodeType="mainSeq">
+                <p:childTnLst>
+                  <p:par>
+                    <p:cTn id="3" fill="hold">
+                      <p:stCondLst>
+                        <p:cond delay="indefinite"/>
+                      </p:stCondLst>
+                      <p:childTnLst>
+                        <p:par>
+                          <p:cTn id="4" fill="hold">
+                            <p:stCondLst>
+                              <p:cond delay="0"/>
+                            </p:stCondLst>
+                            <p:childTnLst>
+                              <p:par>
+                                <p:cTn id="5" presetID="1" presetClass="entr" presetSubtype="0" fill="hold" nodeType="clickEffect">
+                                  <p:stCondLst>
+                                    <p:cond delay="0"/>
+                                  </p:stCondLst>
+                                  <p:childTnLst>
+                                    <p:set>
+                                      <p:cBhvr>
+                                        <p:cTn id="6" dur="1" fill="hold">
+                                          <p:stCondLst>
+                                            <p:cond delay="0"/>
+                                          </p:stCondLst>
+                                        </p:cTn>
+                                        <p:tgtEl>
+                                          <p:spTgt spid="3">
+                                            <p:txEl>
+                                              <p:pRg st="0" end="0"/>
+                                            </p:txEl>
+                                          </p:spTgt>
+                                        </p:tgtEl>
+                                        <p:attrNameLst>
+                                          <p:attrName>style.visibility</p:attrName>
+                                        </p:attrNameLst>
+                                      </p:cBhvr>
+                                      <p:to>
+                                        <p:strVal val="visible"/>
+                                      </p:to>
+                                    </p:set>
+                                  </p:childTnLst>
+                                </p:cTn>
+                              </p:par>
+                            </p:childTnLst>
+                          </p:cTn>
+                        </p:par>
+                      </p:childTnLst>
+                    </p:cTn>
+                  </p:par>
+                  <p:par>
+                    <p:cTn id="7" fill="hold">
+                      <p:stCondLst>
+                        <p:cond delay="indefinite"/>
+                      </p:stCondLst>
+                      <p:childTnLst>
+                        <p:par>
+                          <p:cTn id="8" fill="hold">
+                            <p:stCondLst>
+                              <p:cond delay="0"/>
+                            </p:stCondLst>
+                            <p:childTnLst>
+                              <p:par>
+                                <p:cTn id="9" presetID="1" presetClass="entr" presetSubtype="0" fill="hold" nodeType="clickEffect">
+                                  <p:stCondLst>
+                                    <p:cond delay="0"/>
+                                  </p:stCondLst>
+                                  <p:childTnLst>
+                                    <p:set>
+                                      <p:cBhvr>
+                                        <p:cTn id="10" dur="1" fill="hold">
+                                          <p:stCondLst>
+                                            <p:cond delay="0"/>
+                                          </p:stCondLst>
+                                        </p:cTn>
+                                        <p:tgtEl>
+                                          <p:spTgt spid="3">
+                                            <p:txEl>
+                                              <p:pRg st="2" end="2"/>
+                                            </p:txEl>
+                                          </p:spTgt>
+                                        </p:tgtEl>
+                                        <p:attrNameLst>
+                                          <p:attrName>style.visibility</p:attrName>
+                                        </p:attrNameLst>
+                                      </p:cBhvr>
+                                      <p:to>
+                                        <p:strVal val="visible"/>
+                                      </p:to>
+                                    </p:set>
+                                  </p:childTnLst>
+                                </p:cTn>
+                              </p:par>
+                            </p:childTnLst>
+                          </p:cTn>
+                        </p:par>
+                      </p:childTnLst>
+                    </p:cTn>
+                  </p:par>
+                  <p:par>
+                    <p:cTn id="11" fill="hold">
+                      <p:stCondLst>
+                        <p:cond delay="indefinite"/>
+                      </p:stCondLst>
+                      <p:childTnLst>
+                        <p:par>
+                          <p:cTn id="12" fill="hold">
+                            <p:stCondLst>
+                              <p:cond delay="0"/>
+                            </p:stCondLst>
+                            <p:childTnLst>
+                              <p:par>
+                                <p:cTn id="13" presetID="1" presetClass="entr" presetSubtype="0" fill="hold" nodeType="clickEffect">
+                                  <p:stCondLst>
+                                    <p:cond delay="0"/>
+                                  </p:stCondLst>
+                                  <p:childTnLst>
+                                    <p:set>
+                                      <p:cBhvr>
+                                        <p:cTn id="14" dur="1" fill="hold">
+                                          <p:stCondLst>
+                                            <p:cond delay="0"/>
+                                          </p:stCondLst>
+                                        </p:cTn>
+                                        <p:tgtEl>
+                                          <p:spTgt spid="3">
+                                            <p:txEl>
                                               <p:pRg st="3" end="3"/>
                                             </p:txEl>
                                           </p:spTgt>
@@ -4246,235 +5974,27 @@
                       </p:childTnLst>
                     </p:cTn>
                   </p:par>
-                </p:childTnLst>
-              </p:cTn>
-              <p:prevCondLst>
-                <p:cond evt="onPrev" delay="0">
-                  <p:tgtEl>
-                    <p:sldTgt/>
-                  </p:tgtEl>
-                </p:cond>
-              </p:prevCondLst>
-              <p:nextCondLst>
-                <p:cond evt="onNext" delay="0">
-                  <p:tgtEl>
-                    <p:sldTgt/>
-                  </p:tgtEl>
-                </p:cond>
-              </p:nextCondLst>
-            </p:seq>
-          </p:childTnLst>
-        </p:cTn>
-      </p:par>
-    </p:tnLst>
-  </p:timing>
-</p:sld>
-</file>
-
-<file path=ppt/slides/slide4.xml><?xml version="1.0" encoding="utf-8"?>
-<p:sld xmlns:a="http://schemas.openxmlformats.org/drawingml/2006/main" xmlns:r="http://schemas.openxmlformats.org/officeDocument/2006/relationships" xmlns:p="http://schemas.openxmlformats.org/presentationml/2006/main">
-  <p:cSld>
-    <p:spTree>
-      <p:nvGrpSpPr>
-        <p:cNvPr id="1" name=""/>
-        <p:cNvGrpSpPr/>
-        <p:nvPr/>
-      </p:nvGrpSpPr>
-      <p:grpSpPr>
-        <a:xfrm>
-          <a:off x="0" y="0"/>
-          <a:ext cx="0" cy="0"/>
-          <a:chOff x="0" y="0"/>
-          <a:chExt cx="0" cy="0"/>
-        </a:xfrm>
-      </p:grpSpPr>
-      <p:sp>
-        <p:nvSpPr>
-          <p:cNvPr id="2" name="Title 1">
-            <a:extLst>
-              <a:ext uri="{FF2B5EF4-FFF2-40B4-BE49-F238E27FC236}">
-                <a16:creationId xmlns:a16="http://schemas.microsoft.com/office/drawing/2014/main" id="{A0F372F0-CAE5-4806-A833-C25B72A46EE6}"/>
-              </a:ext>
-            </a:extLst>
-          </p:cNvPr>
-          <p:cNvSpPr>
-            <a:spLocks noGrp="1"/>
-          </p:cNvSpPr>
-          <p:nvPr>
-            <p:ph type="title"/>
-          </p:nvPr>
-        </p:nvSpPr>
-        <p:spPr/>
-        <p:txBody>
-          <a:bodyPr/>
-          <a:lstStyle/>
-          <a:p>
-            <a:r>
-              <a:rPr lang="en-US" dirty="0">
-                <a:latin typeface="Arial" panose="020B0604020202020204" pitchFamily="34" charset="0"/>
-                <a:cs typeface="Arial" panose="020B0604020202020204" pitchFamily="34" charset="0"/>
-              </a:rPr>
-              <a:t>JRE</a:t>
-            </a:r>
-          </a:p>
-        </p:txBody>
-      </p:sp>
-      <p:sp>
-        <p:nvSpPr>
-          <p:cNvPr id="3" name="Content Placeholder 2">
-            <a:extLst>
-              <a:ext uri="{FF2B5EF4-FFF2-40B4-BE49-F238E27FC236}">
-                <a16:creationId xmlns:a16="http://schemas.microsoft.com/office/drawing/2014/main" id="{A5F52EA6-5A49-4A41-AB07-53C1C6DD6422}"/>
-              </a:ext>
-            </a:extLst>
-          </p:cNvPr>
-          <p:cNvSpPr>
-            <a:spLocks noGrp="1"/>
-          </p:cNvSpPr>
-          <p:nvPr>
-            <p:ph idx="1"/>
-          </p:nvPr>
-        </p:nvSpPr>
-        <p:spPr/>
-        <p:txBody>
-          <a:bodyPr>
-            <a:normAutofit/>
-          </a:bodyPr>
-          <a:lstStyle/>
-          <a:p>
-            <a:pPr marL="0" indent="0">
-              <a:buNone/>
-            </a:pPr>
-            <a:r>
-              <a:rPr lang="en-US" sz="2400" dirty="0">
-                <a:solidFill>
-                  <a:srgbClr val="212121"/>
-                </a:solidFill>
-                <a:effectLst/>
-                <a:latin typeface="Arial" panose="020B0604020202020204" pitchFamily="34" charset="0"/>
-                <a:ea typeface="Calibri" panose="020F0502020204030204" pitchFamily="34" charset="0"/>
-                <a:cs typeface="Arial" panose="020B0604020202020204" pitchFamily="34" charset="0"/>
-              </a:rPr>
-              <a:t>The Java Runtime Environment (JRE) is a software package which bundles the libraries (jars) and the Java Virtual Machine To run applications written in java</a:t>
-            </a:r>
-          </a:p>
-          <a:p>
-            <a:pPr marL="0" indent="0">
-              <a:buNone/>
-            </a:pPr>
-            <a:endParaRPr lang="en-US" sz="2400" dirty="0">
-              <a:solidFill>
-                <a:srgbClr val="212121"/>
-              </a:solidFill>
-              <a:latin typeface="Arial" panose="020B0604020202020204" pitchFamily="34" charset="0"/>
-              <a:cs typeface="Arial" panose="020B0604020202020204" pitchFamily="34" charset="0"/>
-            </a:endParaRPr>
-          </a:p>
-          <a:p>
-            <a:pPr marL="0" indent="0">
-              <a:buNone/>
-            </a:pPr>
-            <a:r>
-              <a:rPr lang="en-US" sz="2400" dirty="0">
-                <a:solidFill>
-                  <a:srgbClr val="212121"/>
-                </a:solidFill>
-                <a:latin typeface="Arial" panose="020B0604020202020204" pitchFamily="34" charset="0"/>
-                <a:cs typeface="Arial" panose="020B0604020202020204" pitchFamily="34" charset="0"/>
-              </a:rPr>
-              <a:t>With out JRE we can not run the Java program</a:t>
-            </a:r>
-            <a:endParaRPr lang="en-US" sz="2400" dirty="0">
-              <a:latin typeface="Arial" panose="020B0604020202020204" pitchFamily="34" charset="0"/>
-              <a:cs typeface="Arial" panose="020B0604020202020204" pitchFamily="34" charset="0"/>
-            </a:endParaRPr>
-          </a:p>
-        </p:txBody>
-      </p:sp>
-    </p:spTree>
-    <p:extLst>
-      <p:ext uri="{BB962C8B-B14F-4D97-AF65-F5344CB8AC3E}">
-        <p14:creationId xmlns:p14="http://schemas.microsoft.com/office/powerpoint/2010/main" val="3026729218"/>
-      </p:ext>
-    </p:extLst>
-  </p:cSld>
-  <p:clrMapOvr>
-    <a:masterClrMapping/>
-  </p:clrMapOvr>
-  <p:timing>
-    <p:tnLst>
-      <p:par>
-        <p:cTn id="1" dur="indefinite" restart="never" nodeType="tmRoot">
-          <p:childTnLst>
-            <p:seq concurrent="1" nextAc="seek">
-              <p:cTn id="2" dur="indefinite" nodeType="mainSeq">
-                <p:childTnLst>
                   <p:par>
-                    <p:cTn id="3" fill="hold">
+                    <p:cTn id="19" fill="hold">
                       <p:stCondLst>
                         <p:cond delay="indefinite"/>
                       </p:stCondLst>
                       <p:childTnLst>
                         <p:par>
-                          <p:cTn id="4" fill="hold">
+                          <p:cTn id="20" fill="hold">
                             <p:stCondLst>
                               <p:cond delay="0"/>
                             </p:stCondLst>
                             <p:childTnLst>
                               <p:par>
-                                <p:cTn id="5" presetID="1" presetClass="entr" presetSubtype="0" fill="hold" grpId="0" nodeType="clickEffect">
+                                <p:cTn id="21" presetID="1" presetClass="entr" presetSubtype="0" fill="hold" nodeType="clickEffect">
                                   <p:stCondLst>
                                     <p:cond delay="0"/>
                                   </p:stCondLst>
                                   <p:childTnLst>
                                     <p:set>
                                       <p:cBhvr>
-                                        <p:cTn id="6" dur="1" fill="hold">
-                                          <p:stCondLst>
-                                            <p:cond delay="0"/>
-                                          </p:stCondLst>
-                                        </p:cTn>
-                                        <p:tgtEl>
-                                          <p:spTgt spid="2"/>
-                                        </p:tgtEl>
-                                        <p:attrNameLst>
-                                          <p:attrName>style.visibility</p:attrName>
-                                        </p:attrNameLst>
-                                      </p:cBhvr>
-                                      <p:to>
-                                        <p:strVal val="visible"/>
-                                      </p:to>
-                                    </p:set>
-                                  </p:childTnLst>
-                                </p:cTn>
-                              </p:par>
-                            </p:childTnLst>
-                          </p:cTn>
-                        </p:par>
-                      </p:childTnLst>
-                    </p:cTn>
-                  </p:par>
-                  <p:par>
-                    <p:cTn id="7" fill="hold">
-                      <p:stCondLst>
-                        <p:cond delay="indefinite"/>
-                      </p:stCondLst>
-                      <p:childTnLst>
-                        <p:par>
-                          <p:cTn id="8" fill="hold">
-                            <p:stCondLst>
-                              <p:cond delay="0"/>
-                            </p:stCondLst>
-                            <p:childTnLst>
-                              <p:par>
-                                <p:cTn id="9" presetID="1" presetClass="entr" presetSubtype="0" fill="hold" nodeType="clickEffect">
-                                  <p:stCondLst>
-                                    <p:cond delay="0"/>
-                                  </p:stCondLst>
-                                  <p:childTnLst>
-                                    <p:set>
-                                      <p:cBhvr>
-                                        <p:cTn id="10" dur="1" fill="hold">
+                                        <p:cTn id="22" dur="1" fill="hold">
                                           <p:stCondLst>
                                             <p:cond delay="0"/>
                                           </p:stCondLst>
@@ -4482,7 +6002,7 @@
                                         <p:tgtEl>
                                           <p:spTgt spid="3">
                                             <p:txEl>
-                                              <p:pRg st="0" end="0"/>
+                                              <p:pRg st="5" end="5"/>
                                             </p:txEl>
                                           </p:spTgt>
                                         </p:tgtEl>
@@ -4504,26 +6024,26 @@
                     </p:cTn>
                   </p:par>
                   <p:par>
-                    <p:cTn id="11" fill="hold">
+                    <p:cTn id="23" fill="hold">
                       <p:stCondLst>
                         <p:cond delay="indefinite"/>
                       </p:stCondLst>
                       <p:childTnLst>
                         <p:par>
-                          <p:cTn id="12" fill="hold">
+                          <p:cTn id="24" fill="hold">
                             <p:stCondLst>
                               <p:cond delay="0"/>
                             </p:stCondLst>
                             <p:childTnLst>
                               <p:par>
-                                <p:cTn id="13" presetID="1" presetClass="entr" presetSubtype="0" fill="hold" nodeType="clickEffect">
+                                <p:cTn id="25" presetID="1" presetClass="entr" presetSubtype="0" fill="hold" nodeType="clickEffect">
                                   <p:stCondLst>
                                     <p:cond delay="0"/>
                                   </p:stCondLst>
                                   <p:childTnLst>
                                     <p:set>
                                       <p:cBhvr>
-                                        <p:cTn id="14" dur="1" fill="hold">
+                                        <p:cTn id="26" dur="1" fill="hold">
                                           <p:stCondLst>
                                             <p:cond delay="0"/>
                                           </p:stCondLst>
@@ -4531,7 +6051,154 @@
                                         <p:tgtEl>
                                           <p:spTgt spid="3">
                                             <p:txEl>
-                                              <p:pRg st="2" end="2"/>
+                                              <p:pRg st="6" end="6"/>
+                                            </p:txEl>
+                                          </p:spTgt>
+                                        </p:tgtEl>
+                                        <p:attrNameLst>
+                                          <p:attrName>style.visibility</p:attrName>
+                                        </p:attrNameLst>
+                                      </p:cBhvr>
+                                      <p:to>
+                                        <p:strVal val="visible"/>
+                                      </p:to>
+                                    </p:set>
+                                  </p:childTnLst>
+                                </p:cTn>
+                              </p:par>
+                            </p:childTnLst>
+                          </p:cTn>
+                        </p:par>
+                      </p:childTnLst>
+                    </p:cTn>
+                  </p:par>
+                  <p:par>
+                    <p:cTn id="27" fill="hold">
+                      <p:stCondLst>
+                        <p:cond delay="indefinite"/>
+                      </p:stCondLst>
+                      <p:childTnLst>
+                        <p:par>
+                          <p:cTn id="28" fill="hold">
+                            <p:stCondLst>
+                              <p:cond delay="0"/>
+                            </p:stCondLst>
+                            <p:childTnLst>
+                              <p:par>
+                                <p:cTn id="29" presetID="1" presetClass="entr" presetSubtype="0" fill="hold" nodeType="clickEffect">
+                                  <p:stCondLst>
+                                    <p:cond delay="0"/>
+                                  </p:stCondLst>
+                                  <p:childTnLst>
+                                    <p:set>
+                                      <p:cBhvr>
+                                        <p:cTn id="30" dur="1" fill="hold">
+                                          <p:stCondLst>
+                                            <p:cond delay="0"/>
+                                          </p:stCondLst>
+                                        </p:cTn>
+                                        <p:tgtEl>
+                                          <p:spTgt spid="3">
+                                            <p:txEl>
+                                              <p:pRg st="7" end="7"/>
+                                            </p:txEl>
+                                          </p:spTgt>
+                                        </p:tgtEl>
+                                        <p:attrNameLst>
+                                          <p:attrName>style.visibility</p:attrName>
+                                        </p:attrNameLst>
+                                      </p:cBhvr>
+                                      <p:to>
+                                        <p:strVal val="visible"/>
+                                      </p:to>
+                                    </p:set>
+                                  </p:childTnLst>
+                                </p:cTn>
+                              </p:par>
+                            </p:childTnLst>
+                          </p:cTn>
+                        </p:par>
+                      </p:childTnLst>
+                    </p:cTn>
+                  </p:par>
+                  <p:par>
+                    <p:cTn id="31" fill="hold">
+                      <p:stCondLst>
+                        <p:cond delay="indefinite"/>
+                      </p:stCondLst>
+                      <p:childTnLst>
+                        <p:par>
+                          <p:cTn id="32" fill="hold">
+                            <p:stCondLst>
+                              <p:cond delay="0"/>
+                            </p:stCondLst>
+                            <p:childTnLst>
+                              <p:par>
+                                <p:cTn id="33" presetID="1" presetClass="entr" presetSubtype="0" fill="hold" nodeType="clickEffect">
+                                  <p:stCondLst>
+                                    <p:cond delay="0"/>
+                                  </p:stCondLst>
+                                  <p:childTnLst>
+                                    <p:set>
+                                      <p:cBhvr>
+                                        <p:cTn id="34" dur="1" fill="hold">
+                                          <p:stCondLst>
+                                            <p:cond delay="0"/>
+                                          </p:stCondLst>
+                                        </p:cTn>
+                                        <p:tgtEl>
+                                          <p:spTgt spid="3">
+                                            <p:txEl>
+                                              <p:pRg st="8" end="8"/>
+                                            </p:txEl>
+                                          </p:spTgt>
+                                        </p:tgtEl>
+                                        <p:attrNameLst>
+                                          <p:attrName>style.visibility</p:attrName>
+                                        </p:attrNameLst>
+                                      </p:cBhvr>
+                                      <p:to>
+                                        <p:strVal val="visible"/>
+                                      </p:to>
+                                    </p:set>
+                                  </p:childTnLst>
+                                </p:cTn>
+                              </p:par>
+                            </p:childTnLst>
+                          </p:cTn>
+                        </p:par>
+                      </p:childTnLst>
+                    </p:cTn>
+                  </p:par>
+                  <p:par>
+                    <p:cTn id="35" fill="hold">
+                      <p:stCondLst>
+                        <p:cond delay="indefinite"/>
+                      </p:stCondLst>
+                      <p:childTnLst>
+                        <p:par>
+                          <p:cTn id="36" fill="hold">
+                            <p:stCondLst>
+                              <p:cond delay="0"/>
+                            </p:stCondLst>
+                            <p:childTnLst>
+                              <p:par>
+                                <p:cTn id="37" presetID="1" presetClass="entr" presetSubtype="0" fill="hold" nodeType="clickEffect">
+                                  <p:stCondLst>
+                                    <p:cond delay="0"/>
+                                  </p:stCondLst>
+                                  <p:childTnLst>
+                                    <p:set>
+                                      <p:cBhvr>
+                                        <p:cTn id="38" dur="1" fill="hold">
+                                          <p:stCondLst>
+                                            <p:cond delay="0"/>
+                                          </p:stCondLst>
+                                        </p:cTn>
+                                        <p:tgtEl>
+                                          <p:spTgt spid="3">
+                                            <p:txEl>
+                                              <p:pRg st="9" end="9"/>
                                             </p:txEl>
                                           </p:spTgt>
                                         </p:tgtEl>
@@ -4573,745 +6240,7 @@
         </p:cTn>
       </p:par>
     </p:tnLst>
-    <p:bldLst>
-      <p:bldP spid="2" grpId="0"/>
-    </p:bldLst>
   </p:timing>
-</p:sld>
-</file>
-
-<file path=ppt/slides/slide5.xml><?xml version="1.0" encoding="utf-8"?>
-<p:sld xmlns:a="http://schemas.openxmlformats.org/drawingml/2006/main" xmlns:r="http://schemas.openxmlformats.org/officeDocument/2006/relationships" xmlns:p="http://schemas.openxmlformats.org/presentationml/2006/main">
-  <p:cSld>
-    <p:spTree>
-      <p:nvGrpSpPr>
-        <p:cNvPr id="1" name=""/>
-        <p:cNvGrpSpPr/>
-        <p:nvPr/>
-      </p:nvGrpSpPr>
-      <p:grpSpPr>
-        <a:xfrm>
-          <a:off x="0" y="0"/>
-          <a:ext cx="0" cy="0"/>
-          <a:chOff x="0" y="0"/>
-          <a:chExt cx="0" cy="0"/>
-        </a:xfrm>
-      </p:grpSpPr>
-      <p:sp>
-        <p:nvSpPr>
-          <p:cNvPr id="2" name="Title 1">
-            <a:extLst>
-              <a:ext uri="{FF2B5EF4-FFF2-40B4-BE49-F238E27FC236}">
-                <a16:creationId xmlns:a16="http://schemas.microsoft.com/office/drawing/2014/main" id="{143FE9C0-423A-4EEA-B4BD-6ADBE8735E34}"/>
-              </a:ext>
-            </a:extLst>
-          </p:cNvPr>
-          <p:cNvSpPr>
-            <a:spLocks noGrp="1"/>
-          </p:cNvSpPr>
-          <p:nvPr>
-            <p:ph type="title"/>
-          </p:nvPr>
-        </p:nvSpPr>
-        <p:spPr/>
-        <p:txBody>
-          <a:bodyPr/>
-          <a:lstStyle/>
-          <a:p>
-            <a:r>
-              <a:rPr lang="en-US" dirty="0">
-                <a:latin typeface="Arial" panose="020B0604020202020204" pitchFamily="34" charset="0"/>
-                <a:cs typeface="Arial" panose="020B0604020202020204" pitchFamily="34" charset="0"/>
-              </a:rPr>
-              <a:t>JDK</a:t>
-            </a:r>
-          </a:p>
-        </p:txBody>
-      </p:sp>
-      <p:sp>
-        <p:nvSpPr>
-          <p:cNvPr id="3" name="Content Placeholder 2">
-            <a:extLst>
-              <a:ext uri="{FF2B5EF4-FFF2-40B4-BE49-F238E27FC236}">
-                <a16:creationId xmlns:a16="http://schemas.microsoft.com/office/drawing/2014/main" id="{A468BB1B-517D-4ED9-AB64-7E0A791D57BB}"/>
-              </a:ext>
-            </a:extLst>
-          </p:cNvPr>
-          <p:cNvSpPr>
-            <a:spLocks noGrp="1"/>
-          </p:cNvSpPr>
-          <p:nvPr>
-            <p:ph idx="1"/>
-          </p:nvPr>
-        </p:nvSpPr>
-        <p:spPr/>
-        <p:txBody>
-          <a:bodyPr>
-            <a:normAutofit/>
-          </a:bodyPr>
-          <a:lstStyle/>
-          <a:p>
-            <a:pPr marL="0" indent="0">
-              <a:buNone/>
-            </a:pPr>
-            <a:r>
-              <a:rPr lang="en-US" dirty="0">
-                <a:latin typeface="Arial" panose="020B0604020202020204" pitchFamily="34" charset="0"/>
-                <a:cs typeface="Arial" panose="020B0604020202020204" pitchFamily="34" charset="0"/>
-              </a:rPr>
-              <a:t>Development Tools</a:t>
-            </a:r>
-          </a:p>
-          <a:p>
-            <a:pPr marL="0" indent="0">
-              <a:buNone/>
-            </a:pPr>
-            <a:r>
-              <a:rPr lang="en-US" sz="2400" dirty="0">
-                <a:solidFill>
-                  <a:srgbClr val="212121"/>
-                </a:solidFill>
-                <a:latin typeface="Arial" panose="020B0604020202020204" pitchFamily="34" charset="0"/>
-                <a:ea typeface="Calibri" panose="020F0502020204030204" pitchFamily="34" charset="0"/>
-                <a:cs typeface="Arial" panose="020B0604020202020204" pitchFamily="34" charset="0"/>
-              </a:rPr>
-              <a:t>D</a:t>
-            </a:r>
-            <a:r>
-              <a:rPr lang="en-US" sz="2400" dirty="0">
-                <a:solidFill>
-                  <a:srgbClr val="212121"/>
-                </a:solidFill>
-                <a:effectLst/>
-                <a:latin typeface="Arial" panose="020B0604020202020204" pitchFamily="34" charset="0"/>
-                <a:ea typeface="Calibri" panose="020F0502020204030204" pitchFamily="34" charset="0"/>
-                <a:cs typeface="Arial" panose="020B0604020202020204" pitchFamily="34" charset="0"/>
-              </a:rPr>
-              <a:t>evelopment tools are used for  developing, debugging, and monitoring Java applications. </a:t>
-            </a:r>
-          </a:p>
-          <a:p>
-            <a:pPr marL="0" indent="0">
-              <a:buNone/>
-            </a:pPr>
-            <a:endParaRPr lang="en-US" sz="2400" dirty="0">
-              <a:latin typeface="Arial" panose="020B0604020202020204" pitchFamily="34" charset="0"/>
-              <a:cs typeface="Arial" panose="020B0604020202020204" pitchFamily="34" charset="0"/>
-            </a:endParaRPr>
-          </a:p>
-          <a:p>
-            <a:pPr marL="0" indent="0">
-              <a:buNone/>
-            </a:pPr>
-            <a:r>
-              <a:rPr lang="en-US" sz="2400" dirty="0">
-                <a:latin typeface="Arial" panose="020B0604020202020204" pitchFamily="34" charset="0"/>
-                <a:cs typeface="Arial" panose="020B0604020202020204" pitchFamily="34" charset="0"/>
-              </a:rPr>
-              <a:t>Compiler, Jar creation are some of tools.</a:t>
-            </a:r>
-          </a:p>
-        </p:txBody>
-      </p:sp>
-    </p:spTree>
-    <p:extLst>
-      <p:ext uri="{BB962C8B-B14F-4D97-AF65-F5344CB8AC3E}">
-        <p14:creationId xmlns:p14="http://schemas.microsoft.com/office/powerpoint/2010/main" val="2039363355"/>
-      </p:ext>
-    </p:extLst>
-  </p:cSld>
-  <p:clrMapOvr>
-    <a:masterClrMapping/>
-  </p:clrMapOvr>
-  <p:timing>
-    <p:tnLst>
-      <p:par>
-        <p:cTn id="1" dur="indefinite" restart="never" nodeType="tmRoot">
-          <p:childTnLst>
-            <p:seq concurrent="1" nextAc="seek">
-              <p:cTn id="2" dur="indefinite" nodeType="mainSeq">
-                <p:childTnLst>
-                  <p:par>
-                    <p:cTn id="3" fill="hold">
-                      <p:stCondLst>
-                        <p:cond delay="indefinite"/>
-                      </p:stCondLst>
-                      <p:childTnLst>
-                        <p:par>
-                          <p:cTn id="4" fill="hold">
-                            <p:stCondLst>
-                              <p:cond delay="0"/>
-                            </p:stCondLst>
-                            <p:childTnLst>
-                              <p:par>
-                                <p:cTn id="5" presetID="1" presetClass="entr" presetSubtype="0" fill="hold" grpId="0" nodeType="clickEffect">
-                                  <p:stCondLst>
-                                    <p:cond delay="0"/>
-                                  </p:stCondLst>
-                                  <p:childTnLst>
-                                    <p:set>
-                                      <p:cBhvr>
-                                        <p:cTn id="6" dur="1" fill="hold">
-                                          <p:stCondLst>
-                                            <p:cond delay="0"/>
-                                          </p:stCondLst>
-                                        </p:cTn>
-                                        <p:tgtEl>
-                                          <p:spTgt spid="2"/>
-                                        </p:tgtEl>
-                                        <p:attrNameLst>
-                                          <p:attrName>style.visibility</p:attrName>
-                                        </p:attrNameLst>
-                                      </p:cBhvr>
-                                      <p:to>
-                                        <p:strVal val="visible"/>
-                                      </p:to>
-                                    </p:set>
-                                  </p:childTnLst>
-                                </p:cTn>
-                              </p:par>
-                            </p:childTnLst>
-                          </p:cTn>
-                        </p:par>
-                      </p:childTnLst>
-                    </p:cTn>
-                  </p:par>
-                  <p:par>
-                    <p:cTn id="7" fill="hold">
-                      <p:stCondLst>
-                        <p:cond delay="indefinite"/>
-                      </p:stCondLst>
-                      <p:childTnLst>
-                        <p:par>
-                          <p:cTn id="8" fill="hold">
-                            <p:stCondLst>
-                              <p:cond delay="0"/>
-                            </p:stCondLst>
-                            <p:childTnLst>
-                              <p:par>
-                                <p:cTn id="9" presetID="1" presetClass="entr" presetSubtype="0" fill="hold" nodeType="clickEffect">
-                                  <p:stCondLst>
-                                    <p:cond delay="0"/>
-                                  </p:stCondLst>
-                                  <p:childTnLst>
-                                    <p:set>
-                                      <p:cBhvr>
-                                        <p:cTn id="10" dur="1" fill="hold">
-                                          <p:stCondLst>
-                                            <p:cond delay="0"/>
-                                          </p:stCondLst>
-                                        </p:cTn>
-                                        <p:tgtEl>
-                                          <p:spTgt spid="3">
-                                            <p:txEl>
-                                              <p:pRg st="0" end="0"/>
-                                            </p:txEl>
-                                          </p:spTgt>
-                                        </p:tgtEl>
-                                        <p:attrNameLst>
-                                          <p:attrName>style.visibility</p:attrName>
-                                        </p:attrNameLst>
-                                      </p:cBhvr>
-                                      <p:to>
-                                        <p:strVal val="visible"/>
-                                      </p:to>
-                                    </p:set>
-                                  </p:childTnLst>
-                                </p:cTn>
-                              </p:par>
-                              <p:par>
-                                <p:cTn id="11" presetID="1" presetClass="entr" presetSubtype="0" fill="hold" nodeType="withEffect">
-                                  <p:stCondLst>
-                                    <p:cond delay="0"/>
-                                  </p:stCondLst>
-                                  <p:childTnLst>
-                                    <p:set>
-                                      <p:cBhvr>
-                                        <p:cTn id="12" dur="1" fill="hold">
-                                          <p:stCondLst>
-                                            <p:cond delay="0"/>
-                                          </p:stCondLst>
-                                        </p:cTn>
-                                        <p:tgtEl>
-                                          <p:spTgt spid="3">
-                                            <p:txEl>
-                                              <p:pRg st="1" end="1"/>
-                                            </p:txEl>
-                                          </p:spTgt>
-                                        </p:tgtEl>
-                                        <p:attrNameLst>
-                                          <p:attrName>style.visibility</p:attrName>
-                                        </p:attrNameLst>
-                                      </p:cBhvr>
-                                      <p:to>
-                                        <p:strVal val="visible"/>
-                                      </p:to>
-                                    </p:set>
-                                  </p:childTnLst>
-                                </p:cTn>
-                              </p:par>
-                              <p:par>
-                                <p:cTn id="13" presetID="1" presetClass="entr" presetSubtype="0" fill="hold" nodeType="withEffect">
-                                  <p:stCondLst>
-                                    <p:cond delay="0"/>
-                                  </p:stCondLst>
-                                  <p:childTnLst>
-                                    <p:set>
-                                      <p:cBhvr>
-                                        <p:cTn id="14" dur="1" fill="hold">
-                                          <p:stCondLst>
-                                            <p:cond delay="0"/>
-                                          </p:stCondLst>
-                                        </p:cTn>
-                                        <p:tgtEl>
-                                          <p:spTgt spid="3">
-                                            <p:txEl>
-                                              <p:pRg st="3" end="3"/>
-                                            </p:txEl>
-                                          </p:spTgt>
-                                        </p:tgtEl>
-                                        <p:attrNameLst>
-                                          <p:attrName>style.visibility</p:attrName>
-                                        </p:attrNameLst>
-                                      </p:cBhvr>
-                                      <p:to>
-                                        <p:strVal val="visible"/>
-                                      </p:to>
-                                    </p:set>
-                                  </p:childTnLst>
-                                </p:cTn>
-                              </p:par>
-                            </p:childTnLst>
-                          </p:cTn>
-                        </p:par>
-                      </p:childTnLst>
-                    </p:cTn>
-                  </p:par>
-                </p:childTnLst>
-              </p:cTn>
-              <p:prevCondLst>
-                <p:cond evt="onPrev" delay="0">
-                  <p:tgtEl>
-                    <p:sldTgt/>
-                  </p:tgtEl>
-                </p:cond>
-              </p:prevCondLst>
-              <p:nextCondLst>
-                <p:cond evt="onNext" delay="0">
-                  <p:tgtEl>
-                    <p:sldTgt/>
-                  </p:tgtEl>
-                </p:cond>
-              </p:nextCondLst>
-            </p:seq>
-          </p:childTnLst>
-        </p:cTn>
-      </p:par>
-    </p:tnLst>
-    <p:bldLst>
-      <p:bldP spid="2" grpId="0"/>
-    </p:bldLst>
-  </p:timing>
-</p:sld>
-</file>
-
-<file path=ppt/slides/slide6.xml><?xml version="1.0" encoding="utf-8"?>
-<p:sld xmlns:a="http://schemas.openxmlformats.org/drawingml/2006/main" xmlns:r="http://schemas.openxmlformats.org/officeDocument/2006/relationships" xmlns:p="http://schemas.openxmlformats.org/presentationml/2006/main">
-  <p:cSld>
-    <p:spTree>
-      <p:nvGrpSpPr>
-        <p:cNvPr id="1" name=""/>
-        <p:cNvGrpSpPr/>
-        <p:nvPr/>
-      </p:nvGrpSpPr>
-      <p:grpSpPr>
-        <a:xfrm>
-          <a:off x="0" y="0"/>
-          <a:ext cx="0" cy="0"/>
-          <a:chOff x="0" y="0"/>
-          <a:chExt cx="0" cy="0"/>
-        </a:xfrm>
-      </p:grpSpPr>
-      <p:sp>
-        <p:nvSpPr>
-          <p:cNvPr id="2" name="Title 1">
-            <a:extLst>
-              <a:ext uri="{FF2B5EF4-FFF2-40B4-BE49-F238E27FC236}">
-                <a16:creationId xmlns:a16="http://schemas.microsoft.com/office/drawing/2014/main" id="{ACE9844D-C3B3-489C-B4DB-237C98E39E1E}"/>
-              </a:ext>
-            </a:extLst>
-          </p:cNvPr>
-          <p:cNvSpPr>
-            <a:spLocks noGrp="1"/>
-          </p:cNvSpPr>
-          <p:nvPr>
-            <p:ph type="title"/>
-          </p:nvPr>
-        </p:nvSpPr>
-        <p:spPr/>
-        <p:txBody>
-          <a:bodyPr/>
-          <a:lstStyle/>
-          <a:p>
-            <a:r>
-              <a:rPr lang="en-US" dirty="0"/>
-              <a:t>JVM Architecture</a:t>
-            </a:r>
-          </a:p>
-        </p:txBody>
-      </p:sp>
-      <p:pic>
-        <p:nvPicPr>
-          <p:cNvPr id="5" name="Content Placeholder 4">
-            <a:extLst>
-              <a:ext uri="{FF2B5EF4-FFF2-40B4-BE49-F238E27FC236}">
-                <a16:creationId xmlns:a16="http://schemas.microsoft.com/office/drawing/2014/main" id="{34B6D422-F4D5-4F23-8149-5FD528BF0796}"/>
-              </a:ext>
-            </a:extLst>
-          </p:cNvPr>
-          <p:cNvPicPr>
-            <a:picLocks noGrp="1" noChangeAspect="1"/>
-          </p:cNvPicPr>
-          <p:nvPr>
-            <p:ph idx="1"/>
-          </p:nvPr>
-        </p:nvPicPr>
-        <p:blipFill>
-          <a:blip r:embed="rId2"/>
-          <a:stretch>
-            <a:fillRect/>
-          </a:stretch>
-        </p:blipFill>
-        <p:spPr>
-          <a:xfrm>
-            <a:off x="838200" y="1948480"/>
-            <a:ext cx="10515600" cy="4105627"/>
-          </a:xfrm>
-        </p:spPr>
-      </p:pic>
-    </p:spTree>
-    <p:extLst>
-      <p:ext uri="{BB962C8B-B14F-4D97-AF65-F5344CB8AC3E}">
-        <p14:creationId xmlns:p14="http://schemas.microsoft.com/office/powerpoint/2010/main" val="307350088"/>
-      </p:ext>
-    </p:extLst>
-  </p:cSld>
-  <p:clrMapOvr>
-    <a:masterClrMapping/>
-  </p:clrMapOvr>
-</p:sld>
-</file>
-
-<file path=ppt/slides/slide7.xml><?xml version="1.0" encoding="utf-8"?>
-<p:sld xmlns:a="http://schemas.openxmlformats.org/drawingml/2006/main" xmlns:r="http://schemas.openxmlformats.org/officeDocument/2006/relationships" xmlns:p="http://schemas.openxmlformats.org/presentationml/2006/main">
-  <p:cSld>
-    <p:spTree>
-      <p:nvGrpSpPr>
-        <p:cNvPr id="1" name=""/>
-        <p:cNvGrpSpPr/>
-        <p:nvPr/>
-      </p:nvGrpSpPr>
-      <p:grpSpPr>
-        <a:xfrm>
-          <a:off x="0" y="0"/>
-          <a:ext cx="0" cy="0"/>
-          <a:chOff x="0" y="0"/>
-          <a:chExt cx="0" cy="0"/>
-        </a:xfrm>
-      </p:grpSpPr>
-      <p:sp>
-        <p:nvSpPr>
-          <p:cNvPr id="2" name="Title 1">
-            <a:extLst>
-              <a:ext uri="{FF2B5EF4-FFF2-40B4-BE49-F238E27FC236}">
-                <a16:creationId xmlns:a16="http://schemas.microsoft.com/office/drawing/2014/main" id="{C0D1BA22-DC88-4EEA-904E-C7AA86D31023}"/>
-              </a:ext>
-            </a:extLst>
-          </p:cNvPr>
-          <p:cNvSpPr>
-            <a:spLocks noGrp="1"/>
-          </p:cNvSpPr>
-          <p:nvPr>
-            <p:ph type="title"/>
-          </p:nvPr>
-        </p:nvSpPr>
-        <p:spPr/>
-        <p:txBody>
-          <a:bodyPr/>
-          <a:lstStyle/>
-          <a:p>
-            <a:r>
-              <a:rPr lang="en-US" dirty="0">
-                <a:latin typeface="Arial" panose="020B0604020202020204" pitchFamily="34" charset="0"/>
-                <a:cs typeface="Arial" panose="020B0604020202020204" pitchFamily="34" charset="0"/>
-              </a:rPr>
-              <a:t>Class Loader</a:t>
-            </a:r>
-          </a:p>
-        </p:txBody>
-      </p:sp>
-      <p:sp>
-        <p:nvSpPr>
-          <p:cNvPr id="3" name="Content Placeholder 2">
-            <a:extLst>
-              <a:ext uri="{FF2B5EF4-FFF2-40B4-BE49-F238E27FC236}">
-                <a16:creationId xmlns:a16="http://schemas.microsoft.com/office/drawing/2014/main" id="{EC320A84-62FB-49AE-A09B-3E2139953535}"/>
-              </a:ext>
-            </a:extLst>
-          </p:cNvPr>
-          <p:cNvSpPr>
-            <a:spLocks noGrp="1"/>
-          </p:cNvSpPr>
-          <p:nvPr>
-            <p:ph idx="1"/>
-          </p:nvPr>
-        </p:nvSpPr>
-        <p:spPr/>
-        <p:txBody>
-          <a:bodyPr>
-            <a:normAutofit/>
-          </a:bodyPr>
-          <a:lstStyle/>
-          <a:p>
-            <a:pPr marL="0" indent="0">
-              <a:buNone/>
-            </a:pPr>
-            <a:r>
-              <a:rPr lang="en-US" sz="2400" dirty="0">
-                <a:solidFill>
-                  <a:srgbClr val="3D3D3D"/>
-                </a:solidFill>
-                <a:effectLst/>
-                <a:latin typeface="Arial" panose="020B0604020202020204" pitchFamily="34" charset="0"/>
-                <a:ea typeface="Calibri" panose="020F0502020204030204" pitchFamily="34" charset="0"/>
-                <a:cs typeface="Arial" panose="020B0604020202020204" pitchFamily="34" charset="0"/>
-              </a:rPr>
-              <a:t>The class loader is used for loading the class files.</a:t>
-            </a:r>
-          </a:p>
-          <a:p>
-            <a:pPr marL="0" indent="0">
-              <a:buNone/>
-            </a:pPr>
-            <a:endParaRPr lang="en-US" sz="2400" dirty="0">
-              <a:solidFill>
-                <a:srgbClr val="3D3D3D"/>
-              </a:solidFill>
-              <a:latin typeface="Arial" panose="020B0604020202020204" pitchFamily="34" charset="0"/>
-              <a:cs typeface="Arial" panose="020B0604020202020204" pitchFamily="34" charset="0"/>
-            </a:endParaRPr>
-          </a:p>
-          <a:p>
-            <a:pPr marL="0" indent="0">
-              <a:buNone/>
-            </a:pPr>
-            <a:r>
-              <a:rPr lang="en-US" sz="2400" dirty="0">
-                <a:solidFill>
-                  <a:srgbClr val="3D3D3D"/>
-                </a:solidFill>
-                <a:latin typeface="Arial" panose="020B0604020202020204" pitchFamily="34" charset="0"/>
-                <a:cs typeface="Arial" panose="020B0604020202020204" pitchFamily="34" charset="0"/>
-              </a:rPr>
-              <a:t>Three Phases of Class loader are</a:t>
-            </a:r>
-          </a:p>
-          <a:p>
-            <a:r>
-              <a:rPr lang="en-US" sz="2400" dirty="0">
-                <a:solidFill>
-                  <a:srgbClr val="3D3D3D"/>
-                </a:solidFill>
-                <a:latin typeface="Arial" panose="020B0604020202020204" pitchFamily="34" charset="0"/>
-                <a:cs typeface="Arial" panose="020B0604020202020204" pitchFamily="34" charset="0"/>
-              </a:rPr>
-              <a:t>Loading </a:t>
-            </a:r>
-          </a:p>
-          <a:p>
-            <a:pPr lvl="1"/>
-            <a:r>
-              <a:rPr lang="en-US" sz="2000" dirty="0" err="1">
-                <a:solidFill>
-                  <a:srgbClr val="3D3D3D"/>
-                </a:solidFill>
-                <a:latin typeface="Arial" panose="020B0604020202020204" pitchFamily="34" charset="0"/>
-                <a:cs typeface="Arial" panose="020B0604020202020204" pitchFamily="34" charset="0"/>
-              </a:rPr>
-              <a:t>BootStrap</a:t>
-            </a:r>
-            <a:endParaRPr lang="en-US" sz="2000" dirty="0">
-              <a:solidFill>
-                <a:srgbClr val="3D3D3D"/>
-              </a:solidFill>
-              <a:latin typeface="Arial" panose="020B0604020202020204" pitchFamily="34" charset="0"/>
-              <a:cs typeface="Arial" panose="020B0604020202020204" pitchFamily="34" charset="0"/>
-            </a:endParaRPr>
-          </a:p>
-          <a:p>
-            <a:pPr lvl="1"/>
-            <a:r>
-              <a:rPr lang="en-US" sz="2000" dirty="0">
-                <a:solidFill>
-                  <a:srgbClr val="3D3D3D"/>
-                </a:solidFill>
-                <a:latin typeface="Arial" panose="020B0604020202020204" pitchFamily="34" charset="0"/>
-                <a:cs typeface="Arial" panose="020B0604020202020204" pitchFamily="34" charset="0"/>
-              </a:rPr>
-              <a:t>Extension</a:t>
-            </a:r>
-          </a:p>
-          <a:p>
-            <a:pPr lvl="1"/>
-            <a:r>
-              <a:rPr lang="en-US" sz="2000" dirty="0">
-                <a:solidFill>
-                  <a:srgbClr val="3D3D3D"/>
-                </a:solidFill>
-                <a:latin typeface="Arial" panose="020B0604020202020204" pitchFamily="34" charset="0"/>
-                <a:cs typeface="Arial" panose="020B0604020202020204" pitchFamily="34" charset="0"/>
-              </a:rPr>
-              <a:t>Application</a:t>
-            </a:r>
-          </a:p>
-          <a:p>
-            <a:r>
-              <a:rPr lang="en-US" sz="2400" dirty="0">
-                <a:solidFill>
-                  <a:srgbClr val="3D3D3D"/>
-                </a:solidFill>
-                <a:latin typeface="Arial" panose="020B0604020202020204" pitchFamily="34" charset="0"/>
-                <a:cs typeface="Arial" panose="020B0604020202020204" pitchFamily="34" charset="0"/>
-              </a:rPr>
-              <a:t>Linking </a:t>
-            </a:r>
-          </a:p>
-          <a:p>
-            <a:r>
-              <a:rPr lang="en-US" sz="2400" dirty="0">
-                <a:solidFill>
-                  <a:srgbClr val="3D3D3D"/>
-                </a:solidFill>
-                <a:latin typeface="Arial" panose="020B0604020202020204" pitchFamily="34" charset="0"/>
-                <a:cs typeface="Arial" panose="020B0604020202020204" pitchFamily="34" charset="0"/>
-              </a:rPr>
-              <a:t>initialization</a:t>
-            </a:r>
-            <a:endParaRPr lang="en-US" sz="2400" dirty="0">
-              <a:latin typeface="Arial" panose="020B0604020202020204" pitchFamily="34" charset="0"/>
-              <a:cs typeface="Arial" panose="020B0604020202020204" pitchFamily="34" charset="0"/>
-            </a:endParaRPr>
-          </a:p>
-        </p:txBody>
-      </p:sp>
-    </p:spTree>
-    <p:extLst>
-      <p:ext uri="{BB962C8B-B14F-4D97-AF65-F5344CB8AC3E}">
-        <p14:creationId xmlns:p14="http://schemas.microsoft.com/office/powerpoint/2010/main" val="379137729"/>
-      </p:ext>
-    </p:extLst>
-  </p:cSld>
-  <p:clrMapOvr>
-    <a:masterClrMapping/>
-  </p:clrMapOvr>
-</p:sld>
-</file>
-
-<file path=ppt/slides/slide8.xml><?xml version="1.0" encoding="utf-8"?>
-<p:sld xmlns:a="http://schemas.openxmlformats.org/drawingml/2006/main" xmlns:r="http://schemas.openxmlformats.org/officeDocument/2006/relationships" xmlns:p="http://schemas.openxmlformats.org/presentationml/2006/main">
-  <p:cSld>
-    <p:spTree>
-      <p:nvGrpSpPr>
-        <p:cNvPr id="1" name=""/>
-        <p:cNvGrpSpPr/>
-        <p:nvPr/>
-      </p:nvGrpSpPr>
-      <p:grpSpPr>
-        <a:xfrm>
-          <a:off x="0" y="0"/>
-          <a:ext cx="0" cy="0"/>
-          <a:chOff x="0" y="0"/>
-          <a:chExt cx="0" cy="0"/>
-        </a:xfrm>
-      </p:grpSpPr>
-      <p:sp>
-        <p:nvSpPr>
-          <p:cNvPr id="2" name="Title 1">
-            <a:extLst>
-              <a:ext uri="{FF2B5EF4-FFF2-40B4-BE49-F238E27FC236}">
-                <a16:creationId xmlns:a16="http://schemas.microsoft.com/office/drawing/2014/main" id="{5FF5B6D8-962E-48F7-9394-97D724DE1BA9}"/>
-              </a:ext>
-            </a:extLst>
-          </p:cNvPr>
-          <p:cNvSpPr>
-            <a:spLocks noGrp="1"/>
-          </p:cNvSpPr>
-          <p:nvPr>
-            <p:ph type="title"/>
-          </p:nvPr>
-        </p:nvSpPr>
-        <p:spPr/>
-        <p:txBody>
-          <a:bodyPr/>
-          <a:lstStyle/>
-          <a:p>
-            <a:r>
-              <a:rPr lang="en-US" dirty="0"/>
-              <a:t>Execution Engine</a:t>
-            </a:r>
-          </a:p>
-        </p:txBody>
-      </p:sp>
-      <p:sp>
-        <p:nvSpPr>
-          <p:cNvPr id="3" name="Content Placeholder 2">
-            <a:extLst>
-              <a:ext uri="{FF2B5EF4-FFF2-40B4-BE49-F238E27FC236}">
-                <a16:creationId xmlns:a16="http://schemas.microsoft.com/office/drawing/2014/main" id="{A9056035-9569-49BD-B1DE-0CAA889D8304}"/>
-              </a:ext>
-            </a:extLst>
-          </p:cNvPr>
-          <p:cNvSpPr>
-            <a:spLocks noGrp="1"/>
-          </p:cNvSpPr>
-          <p:nvPr>
-            <p:ph idx="1"/>
-          </p:nvPr>
-        </p:nvSpPr>
-        <p:spPr/>
-        <p:txBody>
-          <a:bodyPr/>
-          <a:lstStyle/>
-          <a:p>
-            <a:r>
-              <a:rPr lang="en-US" dirty="0"/>
-              <a:t>Interpreter</a:t>
-            </a:r>
-          </a:p>
-          <a:p>
-            <a:r>
-              <a:rPr lang="en-US" dirty="0"/>
-              <a:t>JIT compiler</a:t>
-            </a:r>
-          </a:p>
-          <a:p>
-            <a:r>
-              <a:rPr lang="en-US" dirty="0"/>
-              <a:t>Garbage collector</a:t>
-            </a:r>
-          </a:p>
-        </p:txBody>
-      </p:sp>
-    </p:spTree>
-    <p:extLst>
-      <p:ext uri="{BB962C8B-B14F-4D97-AF65-F5344CB8AC3E}">
-        <p14:creationId xmlns:p14="http://schemas.microsoft.com/office/powerpoint/2010/main" val="790705821"/>
-      </p:ext>
-    </p:extLst>
-  </p:cSld>
-  <p:clrMapOvr>
-    <a:masterClrMapping/>
-  </p:clrMapOvr>
 </p:sld>
 </file>
 
